--- a/agile rohit anish.pptx
+++ b/agile rohit anish.pptx
@@ -11,6 +11,11 @@
     <p:sldId id="259" r:id="rId5"/>
     <p:sldId id="260" r:id="rId6"/>
     <p:sldId id="261" r:id="rId7"/>
+    <p:sldId id="262" r:id="rId8"/>
+    <p:sldId id="263" r:id="rId9"/>
+    <p:sldId id="264" r:id="rId10"/>
+    <p:sldId id="265" r:id="rId11"/>
+    <p:sldId id="266" r:id="rId12"/>
   </p:sldIdLst>
   <p:sldSz cx="12192000" cy="6858000"/>
   <p:notesSz cx="6858000" cy="9144000"/>
@@ -8678,7 +8683,7 @@
           <a:p>
             <a:fld id="{DE554842-6AC9-415A-8F9F-F20BF3DBA79C}" type="datetimeFigureOut">
               <a:rPr lang="en-IN" smtClean="0"/>
-              <a:t>31-01-2023</a:t>
+              <a:t>01-02-2023</a:t>
             </a:fld>
             <a:endParaRPr lang="en-IN"/>
           </a:p>
@@ -8878,7 +8883,7 @@
           <a:p>
             <a:fld id="{DE554842-6AC9-415A-8F9F-F20BF3DBA79C}" type="datetimeFigureOut">
               <a:rPr lang="en-IN" smtClean="0"/>
-              <a:t>31-01-2023</a:t>
+              <a:t>01-02-2023</a:t>
             </a:fld>
             <a:endParaRPr lang="en-IN"/>
           </a:p>
@@ -9088,7 +9093,7 @@
           <a:p>
             <a:fld id="{DE554842-6AC9-415A-8F9F-F20BF3DBA79C}" type="datetimeFigureOut">
               <a:rPr lang="en-IN" smtClean="0"/>
-              <a:t>31-01-2023</a:t>
+              <a:t>01-02-2023</a:t>
             </a:fld>
             <a:endParaRPr lang="en-IN"/>
           </a:p>
@@ -9288,7 +9293,7 @@
           <a:p>
             <a:fld id="{DE554842-6AC9-415A-8F9F-F20BF3DBA79C}" type="datetimeFigureOut">
               <a:rPr lang="en-IN" smtClean="0"/>
-              <a:t>31-01-2023</a:t>
+              <a:t>01-02-2023</a:t>
             </a:fld>
             <a:endParaRPr lang="en-IN"/>
           </a:p>
@@ -9564,7 +9569,7 @@
           <a:p>
             <a:fld id="{DE554842-6AC9-415A-8F9F-F20BF3DBA79C}" type="datetimeFigureOut">
               <a:rPr lang="en-IN" smtClean="0"/>
-              <a:t>31-01-2023</a:t>
+              <a:t>01-02-2023</a:t>
             </a:fld>
             <a:endParaRPr lang="en-IN"/>
           </a:p>
@@ -9832,7 +9837,7 @@
           <a:p>
             <a:fld id="{DE554842-6AC9-415A-8F9F-F20BF3DBA79C}" type="datetimeFigureOut">
               <a:rPr lang="en-IN" smtClean="0"/>
-              <a:t>31-01-2023</a:t>
+              <a:t>01-02-2023</a:t>
             </a:fld>
             <a:endParaRPr lang="en-IN"/>
           </a:p>
@@ -10247,7 +10252,7 @@
           <a:p>
             <a:fld id="{DE554842-6AC9-415A-8F9F-F20BF3DBA79C}" type="datetimeFigureOut">
               <a:rPr lang="en-IN" smtClean="0"/>
-              <a:t>31-01-2023</a:t>
+              <a:t>01-02-2023</a:t>
             </a:fld>
             <a:endParaRPr lang="en-IN"/>
           </a:p>
@@ -10389,7 +10394,7 @@
           <a:p>
             <a:fld id="{DE554842-6AC9-415A-8F9F-F20BF3DBA79C}" type="datetimeFigureOut">
               <a:rPr lang="en-IN" smtClean="0"/>
-              <a:t>31-01-2023</a:t>
+              <a:t>01-02-2023</a:t>
             </a:fld>
             <a:endParaRPr lang="en-IN"/>
           </a:p>
@@ -10502,7 +10507,7 @@
           <a:p>
             <a:fld id="{DE554842-6AC9-415A-8F9F-F20BF3DBA79C}" type="datetimeFigureOut">
               <a:rPr lang="en-IN" smtClean="0"/>
-              <a:t>31-01-2023</a:t>
+              <a:t>01-02-2023</a:t>
             </a:fld>
             <a:endParaRPr lang="en-IN"/>
           </a:p>
@@ -10815,7 +10820,7 @@
           <a:p>
             <a:fld id="{DE554842-6AC9-415A-8F9F-F20BF3DBA79C}" type="datetimeFigureOut">
               <a:rPr lang="en-IN" smtClean="0"/>
-              <a:t>31-01-2023</a:t>
+              <a:t>01-02-2023</a:t>
             </a:fld>
             <a:endParaRPr lang="en-IN"/>
           </a:p>
@@ -11104,7 +11109,7 @@
           <a:p>
             <a:fld id="{DE554842-6AC9-415A-8F9F-F20BF3DBA79C}" type="datetimeFigureOut">
               <a:rPr lang="en-IN" smtClean="0"/>
-              <a:t>31-01-2023</a:t>
+              <a:t>01-02-2023</a:t>
             </a:fld>
             <a:endParaRPr lang="en-IN"/>
           </a:p>
@@ -11350,7 +11355,7 @@
           <a:p>
             <a:fld id="{DE554842-6AC9-415A-8F9F-F20BF3DBA79C}" type="datetimeFigureOut">
               <a:rPr lang="en-IN" smtClean="0"/>
-              <a:t>31-01-2023</a:t>
+              <a:t>01-02-2023</a:t>
             </a:fld>
             <a:endParaRPr lang="en-IN"/>
           </a:p>
@@ -11997,6 +12002,999 @@
 </p:sld>
 </file>
 
+<file path=ppt/slides/slide10.xml><?xml version="1.0" encoding="utf-8"?>
+<p:sld xmlns:a="http://schemas.openxmlformats.org/drawingml/2006/main" xmlns:r="http://schemas.openxmlformats.org/officeDocument/2006/relationships" xmlns:p="http://schemas.openxmlformats.org/presentationml/2006/main">
+  <p:cSld>
+    <p:spTree>
+      <p:nvGrpSpPr>
+        <p:cNvPr id="1" name=""/>
+        <p:cNvGrpSpPr/>
+        <p:nvPr/>
+      </p:nvGrpSpPr>
+      <p:grpSpPr>
+        <a:xfrm>
+          <a:off x="0" y="0"/>
+          <a:ext cx="0" cy="0"/>
+          <a:chOff x="0" y="0"/>
+          <a:chExt cx="0" cy="0"/>
+        </a:xfrm>
+      </p:grpSpPr>
+      <p:sp>
+        <p:nvSpPr>
+          <p:cNvPr id="4" name="TextBox 3">
+            <a:extLst>
+              <a:ext uri="{FF2B5EF4-FFF2-40B4-BE49-F238E27FC236}">
+                <a16:creationId xmlns:a16="http://schemas.microsoft.com/office/drawing/2014/main" id="{B79D7560-F4E1-4815-9C0C-7A28112023B0}"/>
+              </a:ext>
+            </a:extLst>
+          </p:cNvPr>
+          <p:cNvSpPr txBox="1"/>
+          <p:nvPr/>
+        </p:nvSpPr>
+        <p:spPr>
+          <a:xfrm>
+            <a:off x="0" y="162999"/>
+            <a:ext cx="12192000" cy="461665"/>
+          </a:xfrm>
+          <a:prstGeom prst="rect">
+            <a:avLst/>
+          </a:prstGeom>
+          <a:solidFill>
+            <a:schemeClr val="bg1">
+              <a:lumMod val="75000"/>
+            </a:schemeClr>
+          </a:solidFill>
+        </p:spPr>
+        <p:txBody>
+          <a:bodyPr wrap="square" rtlCol="0">
+            <a:spAutoFit/>
+          </a:bodyPr>
+          <a:lstStyle/>
+          <a:p>
+            <a:pPr algn="ctr"/>
+            <a:r>
+              <a:rPr lang="en-US" sz="2400" dirty="0"/>
+              <a:t>Create Alignment with PI Objectives</a:t>
+            </a:r>
+            <a:endParaRPr lang="en-IN" sz="2400" dirty="0"/>
+          </a:p>
+        </p:txBody>
+      </p:sp>
+      <p:sp>
+        <p:nvSpPr>
+          <p:cNvPr id="5" name="TextBox 4">
+            <a:extLst>
+              <a:ext uri="{FF2B5EF4-FFF2-40B4-BE49-F238E27FC236}">
+                <a16:creationId xmlns:a16="http://schemas.microsoft.com/office/drawing/2014/main" id="{ED0B8C54-F3D5-4466-835E-D51B27AB5A92}"/>
+              </a:ext>
+            </a:extLst>
+          </p:cNvPr>
+          <p:cNvSpPr txBox="1"/>
+          <p:nvPr/>
+        </p:nvSpPr>
+        <p:spPr>
+          <a:xfrm>
+            <a:off x="5173884" y="1180617"/>
+            <a:ext cx="6921661" cy="3693319"/>
+          </a:xfrm>
+          <a:prstGeom prst="rect">
+            <a:avLst/>
+          </a:prstGeom>
+          <a:noFill/>
+        </p:spPr>
+        <p:txBody>
+          <a:bodyPr wrap="square" rtlCol="0">
+            <a:spAutoFit/>
+          </a:bodyPr>
+          <a:lstStyle/>
+          <a:p>
+            <a:pPr marL="285750" indent="-285750">
+              <a:buFont typeface="Wingdings" panose="05000000000000000000" pitchFamily="2" charset="2"/>
+              <a:buChar char="Ø"/>
+            </a:pPr>
+            <a:r>
+              <a:rPr lang="en-US" dirty="0"/>
+              <a:t>Objectives are business summaries of what each team intends to deliver in the upcoming PI.</a:t>
+            </a:r>
+          </a:p>
+          <a:p>
+            <a:pPr marL="285750" indent="-285750">
+              <a:buFont typeface="Wingdings" panose="05000000000000000000" pitchFamily="2" charset="2"/>
+              <a:buChar char="Ø"/>
+            </a:pPr>
+            <a:endParaRPr lang="en-US" dirty="0"/>
+          </a:p>
+          <a:p>
+            <a:pPr marL="285750" indent="-285750">
+              <a:buFont typeface="Wingdings" panose="05000000000000000000" pitchFamily="2" charset="2"/>
+              <a:buChar char="Ø"/>
+            </a:pPr>
+            <a:r>
+              <a:rPr lang="en-US" dirty="0"/>
+              <a:t>They often directly relate to intended features in the backlog.</a:t>
+            </a:r>
+          </a:p>
+          <a:p>
+            <a:pPr marL="285750" indent="-285750">
+              <a:buFont typeface="Wingdings" panose="05000000000000000000" pitchFamily="2" charset="2"/>
+              <a:buChar char="Ø"/>
+            </a:pPr>
+            <a:endParaRPr lang="en-US" dirty="0"/>
+          </a:p>
+          <a:p>
+            <a:pPr marL="285750" indent="-285750">
+              <a:buFont typeface="Wingdings" panose="05000000000000000000" pitchFamily="2" charset="2"/>
+              <a:buChar char="Ø"/>
+            </a:pPr>
+            <a:r>
+              <a:rPr lang="en-US" dirty="0"/>
+              <a:t>Other examples:</a:t>
+            </a:r>
+            <a:endParaRPr lang="en-IN" dirty="0"/>
+          </a:p>
+          <a:p>
+            <a:pPr marL="742950" lvl="1" indent="-285750">
+              <a:buFont typeface="Wingdings" panose="05000000000000000000" pitchFamily="2" charset="2"/>
+              <a:buChar char="Ø"/>
+            </a:pPr>
+            <a:r>
+              <a:rPr lang="en-US" dirty="0"/>
+              <a:t>Aggregation of a set of Features.</a:t>
+            </a:r>
+          </a:p>
+          <a:p>
+            <a:pPr marL="742950" lvl="1" indent="-285750">
+              <a:buFont typeface="Wingdings" panose="05000000000000000000" pitchFamily="2" charset="2"/>
+              <a:buChar char="Ø"/>
+            </a:pPr>
+            <a:endParaRPr lang="en-US" dirty="0"/>
+          </a:p>
+          <a:p>
+            <a:pPr marL="742950" lvl="1" indent="-285750">
+              <a:buFont typeface="Wingdings" panose="05000000000000000000" pitchFamily="2" charset="2"/>
+              <a:buChar char="Ø"/>
+            </a:pPr>
+            <a:r>
+              <a:rPr lang="en-US" dirty="0"/>
+              <a:t>A milestone like a trade show.</a:t>
+            </a:r>
+          </a:p>
+          <a:p>
+            <a:pPr marL="742950" lvl="1" indent="-285750">
+              <a:buFont typeface="Wingdings" panose="05000000000000000000" pitchFamily="2" charset="2"/>
+              <a:buChar char="Ø"/>
+            </a:pPr>
+            <a:endParaRPr lang="en-US" dirty="0"/>
+          </a:p>
+          <a:p>
+            <a:pPr marL="742950" lvl="1" indent="-285750">
+              <a:buFont typeface="Wingdings" panose="05000000000000000000" pitchFamily="2" charset="2"/>
+              <a:buChar char="Ø"/>
+            </a:pPr>
+            <a:r>
+              <a:rPr lang="en-US" dirty="0"/>
+              <a:t>An Enabler feature supporting the implementation.</a:t>
+            </a:r>
+          </a:p>
+          <a:p>
+            <a:pPr marL="742950" lvl="1" indent="-285750">
+              <a:buFont typeface="Wingdings" panose="05000000000000000000" pitchFamily="2" charset="2"/>
+              <a:buChar char="Ø"/>
+            </a:pPr>
+            <a:endParaRPr lang="en-US" dirty="0"/>
+          </a:p>
+          <a:p>
+            <a:pPr marL="742950" lvl="1" indent="-285750">
+              <a:buFont typeface="Wingdings" panose="05000000000000000000" pitchFamily="2" charset="2"/>
+              <a:buChar char="Ø"/>
+            </a:pPr>
+            <a:r>
+              <a:rPr lang="en-US" dirty="0"/>
+              <a:t>A major refactoring.</a:t>
+            </a:r>
+          </a:p>
+        </p:txBody>
+      </p:sp>
+      <p:pic>
+        <p:nvPicPr>
+          <p:cNvPr id="3074" name="Picture 2" descr="PI Objectives - Scaled Agile Framework">
+            <a:extLst>
+              <a:ext uri="{FF2B5EF4-FFF2-40B4-BE49-F238E27FC236}">
+                <a16:creationId xmlns:a16="http://schemas.microsoft.com/office/drawing/2014/main" id="{F73B7437-0F6B-4CEE-B114-674D7A0A74FB}"/>
+              </a:ext>
+            </a:extLst>
+          </p:cNvPr>
+          <p:cNvPicPr>
+            <a:picLocks noChangeAspect="1" noChangeArrowheads="1"/>
+          </p:cNvPicPr>
+          <p:nvPr/>
+        </p:nvPicPr>
+        <p:blipFill rotWithShape="1">
+          <a:blip r:embed="rId2">
+            <a:extLst>
+              <a:ext uri="{28A0092B-C50C-407E-A947-70E740481C1C}">
+                <a14:useLocalDpi xmlns:a14="http://schemas.microsoft.com/office/drawing/2010/main" val="0"/>
+              </a:ext>
+            </a:extLst>
+          </a:blip>
+          <a:srcRect b="4825"/>
+          <a:stretch/>
+        </p:blipFill>
+        <p:spPr bwMode="auto">
+          <a:xfrm>
+            <a:off x="242345" y="1068042"/>
+            <a:ext cx="4762500" cy="4188227"/>
+          </a:xfrm>
+          <a:prstGeom prst="rect">
+            <a:avLst/>
+          </a:prstGeom>
+          <a:noFill/>
+          <a:extLst>
+            <a:ext uri="{909E8E84-426E-40DD-AFC4-6F175D3DCCD1}">
+              <a14:hiddenFill xmlns:a14="http://schemas.microsoft.com/office/drawing/2010/main">
+                <a:solidFill>
+                  <a:srgbClr val="FFFFFF"/>
+                </a:solidFill>
+              </a14:hiddenFill>
+            </a:ext>
+          </a:extLst>
+        </p:spPr>
+      </p:pic>
+    </p:spTree>
+    <p:extLst>
+      <p:ext uri="{BB962C8B-B14F-4D97-AF65-F5344CB8AC3E}">
+        <p14:creationId xmlns:p14="http://schemas.microsoft.com/office/powerpoint/2010/main" val="3472259842"/>
+      </p:ext>
+    </p:extLst>
+  </p:cSld>
+  <p:clrMapOvr>
+    <a:masterClrMapping/>
+  </p:clrMapOvr>
+</p:sld>
+</file>
+
+<file path=ppt/slides/slide11.xml><?xml version="1.0" encoding="utf-8"?>
+<p:sld xmlns:a="http://schemas.openxmlformats.org/drawingml/2006/main" xmlns:r="http://schemas.openxmlformats.org/officeDocument/2006/relationships" xmlns:p="http://schemas.openxmlformats.org/presentationml/2006/main">
+  <p:cSld>
+    <p:spTree>
+      <p:nvGrpSpPr>
+        <p:cNvPr id="1" name=""/>
+        <p:cNvGrpSpPr/>
+        <p:nvPr/>
+      </p:nvGrpSpPr>
+      <p:grpSpPr>
+        <a:xfrm>
+          <a:off x="0" y="0"/>
+          <a:ext cx="0" cy="0"/>
+          <a:chOff x="0" y="0"/>
+          <a:chExt cx="0" cy="0"/>
+        </a:xfrm>
+      </p:grpSpPr>
+      <p:sp>
+        <p:nvSpPr>
+          <p:cNvPr id="4" name="TextBox 3">
+            <a:extLst>
+              <a:ext uri="{FF2B5EF4-FFF2-40B4-BE49-F238E27FC236}">
+                <a16:creationId xmlns:a16="http://schemas.microsoft.com/office/drawing/2014/main" id="{B79D7560-F4E1-4815-9C0C-7A28112023B0}"/>
+              </a:ext>
+            </a:extLst>
+          </p:cNvPr>
+          <p:cNvSpPr txBox="1"/>
+          <p:nvPr/>
+        </p:nvSpPr>
+        <p:spPr>
+          <a:xfrm>
+            <a:off x="0" y="162999"/>
+            <a:ext cx="12192000" cy="461665"/>
+          </a:xfrm>
+          <a:prstGeom prst="rect">
+            <a:avLst/>
+          </a:prstGeom>
+          <a:solidFill>
+            <a:schemeClr val="bg1">
+              <a:lumMod val="75000"/>
+            </a:schemeClr>
+          </a:solidFill>
+        </p:spPr>
+        <p:txBody>
+          <a:bodyPr wrap="square" rtlCol="0">
+            <a:spAutoFit/>
+          </a:bodyPr>
+          <a:lstStyle/>
+          <a:p>
+            <a:pPr algn="ctr"/>
+            <a:r>
+              <a:rPr lang="en-US" sz="2400" dirty="0"/>
+              <a:t>Maintain predictability with uncommitted objectives</a:t>
+            </a:r>
+            <a:endParaRPr lang="en-IN" sz="2400" dirty="0"/>
+          </a:p>
+        </p:txBody>
+      </p:sp>
+      <p:sp>
+        <p:nvSpPr>
+          <p:cNvPr id="5" name="TextBox 4">
+            <a:extLst>
+              <a:ext uri="{FF2B5EF4-FFF2-40B4-BE49-F238E27FC236}">
+                <a16:creationId xmlns:a16="http://schemas.microsoft.com/office/drawing/2014/main" id="{ED0B8C54-F3D5-4466-835E-D51B27AB5A92}"/>
+              </a:ext>
+            </a:extLst>
+          </p:cNvPr>
+          <p:cNvSpPr txBox="1"/>
+          <p:nvPr/>
+        </p:nvSpPr>
+        <p:spPr>
+          <a:xfrm>
+            <a:off x="257029" y="1150517"/>
+            <a:ext cx="8045589" cy="3970318"/>
+          </a:xfrm>
+          <a:prstGeom prst="rect">
+            <a:avLst/>
+          </a:prstGeom>
+          <a:noFill/>
+        </p:spPr>
+        <p:txBody>
+          <a:bodyPr wrap="square" rtlCol="0">
+            <a:spAutoFit/>
+          </a:bodyPr>
+          <a:lstStyle/>
+          <a:p>
+            <a:r>
+              <a:rPr lang="en-US" dirty="0"/>
+              <a:t>Uncommitted objectives help improve the predictability of delivering business value.</a:t>
+            </a:r>
+          </a:p>
+          <a:p>
+            <a:pPr marL="285750" indent="-285750">
+              <a:buFont typeface="Wingdings" panose="05000000000000000000" pitchFamily="2" charset="2"/>
+              <a:buChar char="Ø"/>
+            </a:pPr>
+            <a:r>
+              <a:rPr lang="en-US" dirty="0"/>
+              <a:t>They are planned and aren’t extra things teams do ‘just in case you have time.</a:t>
+            </a:r>
+          </a:p>
+          <a:p>
+            <a:pPr marL="285750" indent="-285750">
+              <a:buFont typeface="Wingdings" panose="05000000000000000000" pitchFamily="2" charset="2"/>
+              <a:buChar char="Ø"/>
+            </a:pPr>
+            <a:endParaRPr lang="en-US" dirty="0"/>
+          </a:p>
+          <a:p>
+            <a:pPr marL="285750" indent="-285750">
+              <a:buFont typeface="Wingdings" panose="05000000000000000000" pitchFamily="2" charset="2"/>
+              <a:buChar char="Ø"/>
+            </a:pPr>
+            <a:r>
+              <a:rPr lang="en-US" dirty="0"/>
+              <a:t>They are not included in the commitment, thereby making the commitment more reliable</a:t>
+            </a:r>
+          </a:p>
+          <a:p>
+            <a:pPr marL="285750" indent="-285750">
+              <a:buFont typeface="Wingdings" panose="05000000000000000000" pitchFamily="2" charset="2"/>
+              <a:buChar char="Ø"/>
+            </a:pPr>
+            <a:endParaRPr lang="en-US" dirty="0"/>
+          </a:p>
+          <a:p>
+            <a:pPr marL="285750" indent="-285750">
+              <a:buFont typeface="Wingdings" panose="05000000000000000000" pitchFamily="2" charset="2"/>
+              <a:buChar char="Ø"/>
+            </a:pPr>
+            <a:r>
+              <a:rPr lang="en-US" dirty="0"/>
+              <a:t>If a team has low confidence in meeting a PI Objective, it should be moved to uncommitted</a:t>
+            </a:r>
+          </a:p>
+          <a:p>
+            <a:pPr marL="285750" indent="-285750">
+              <a:buFont typeface="Wingdings" panose="05000000000000000000" pitchFamily="2" charset="2"/>
+              <a:buChar char="Ø"/>
+            </a:pPr>
+            <a:endParaRPr lang="en-US" dirty="0"/>
+          </a:p>
+          <a:p>
+            <a:pPr marL="285750" indent="-285750">
+              <a:buFont typeface="Wingdings" panose="05000000000000000000" pitchFamily="2" charset="2"/>
+              <a:buChar char="Ø"/>
+            </a:pPr>
+            <a:r>
+              <a:rPr lang="en-US" dirty="0"/>
+              <a:t>If an objective has many unknowns, consider moving it to uncommitted and put in early spikes</a:t>
+            </a:r>
+          </a:p>
+          <a:p>
+            <a:pPr marL="285750" indent="-285750">
+              <a:buFont typeface="Wingdings" panose="05000000000000000000" pitchFamily="2" charset="2"/>
+              <a:buChar char="Ø"/>
+            </a:pPr>
+            <a:endParaRPr lang="en-US" dirty="0"/>
+          </a:p>
+          <a:p>
+            <a:pPr marL="285750" indent="-285750">
+              <a:buFont typeface="Wingdings" panose="05000000000000000000" pitchFamily="2" charset="2"/>
+              <a:buChar char="Ø"/>
+            </a:pPr>
+            <a:r>
+              <a:rPr lang="en-US" dirty="0"/>
+              <a:t>Uncommitted objectives count when calculating load</a:t>
+            </a:r>
+          </a:p>
+          <a:p>
+            <a:endParaRPr lang="en-US" dirty="0"/>
+          </a:p>
+        </p:txBody>
+      </p:sp>
+      <p:grpSp>
+        <p:nvGrpSpPr>
+          <p:cNvPr id="18" name="Group 17">
+            <a:extLst>
+              <a:ext uri="{FF2B5EF4-FFF2-40B4-BE49-F238E27FC236}">
+                <a16:creationId xmlns:a16="http://schemas.microsoft.com/office/drawing/2014/main" id="{71C5BABF-3764-4249-959D-2108256E35BC}"/>
+              </a:ext>
+            </a:extLst>
+          </p:cNvPr>
+          <p:cNvGrpSpPr/>
+          <p:nvPr/>
+        </p:nvGrpSpPr>
+        <p:grpSpPr>
+          <a:xfrm>
+            <a:off x="8436497" y="1318363"/>
+            <a:ext cx="3386557" cy="4221274"/>
+            <a:chOff x="8819909" y="1562582"/>
+            <a:chExt cx="3055716" cy="4017918"/>
+          </a:xfrm>
+        </p:grpSpPr>
+        <p:sp>
+          <p:nvSpPr>
+            <p:cNvPr id="3" name="Rectangle 2">
+              <a:extLst>
+                <a:ext uri="{FF2B5EF4-FFF2-40B4-BE49-F238E27FC236}">
+                  <a16:creationId xmlns:a16="http://schemas.microsoft.com/office/drawing/2014/main" id="{39C850C6-03D0-4154-8524-5757F8D0CC0E}"/>
+                </a:ext>
+              </a:extLst>
+            </p:cNvPr>
+            <p:cNvSpPr/>
+            <p:nvPr/>
+          </p:nvSpPr>
+          <p:spPr>
+            <a:xfrm>
+              <a:off x="8819909" y="1562582"/>
+              <a:ext cx="3055716" cy="3820216"/>
+            </a:xfrm>
+            <a:prstGeom prst="rect">
+              <a:avLst/>
+            </a:prstGeom>
+            <a:solidFill>
+              <a:schemeClr val="bg1"/>
+            </a:solidFill>
+            <a:ln w="57150"/>
+          </p:spPr>
+          <p:style>
+            <a:lnRef idx="2">
+              <a:schemeClr val="accent1">
+                <a:shade val="50000"/>
+              </a:schemeClr>
+            </a:lnRef>
+            <a:fillRef idx="1">
+              <a:schemeClr val="accent1"/>
+            </a:fillRef>
+            <a:effectRef idx="0">
+              <a:schemeClr val="accent1"/>
+            </a:effectRef>
+            <a:fontRef idx="minor">
+              <a:schemeClr val="lt1"/>
+            </a:fontRef>
+          </p:style>
+          <p:txBody>
+            <a:bodyPr rtlCol="0" anchor="ctr"/>
+            <a:lstStyle/>
+            <a:p>
+              <a:pPr algn="ctr"/>
+              <a:endParaRPr lang="en-IN"/>
+            </a:p>
+          </p:txBody>
+        </p:sp>
+        <p:sp>
+          <p:nvSpPr>
+            <p:cNvPr id="6" name="Rectangle 5">
+              <a:extLst>
+                <a:ext uri="{FF2B5EF4-FFF2-40B4-BE49-F238E27FC236}">
+                  <a16:creationId xmlns:a16="http://schemas.microsoft.com/office/drawing/2014/main" id="{4D55D195-0F25-4B4B-8721-772932D2951F}"/>
+                </a:ext>
+              </a:extLst>
+            </p:cNvPr>
+            <p:cNvSpPr/>
+            <p:nvPr/>
+          </p:nvSpPr>
+          <p:spPr>
+            <a:xfrm>
+              <a:off x="8819909" y="1562582"/>
+              <a:ext cx="3055716" cy="578734"/>
+            </a:xfrm>
+            <a:prstGeom prst="rect">
+              <a:avLst/>
+            </a:prstGeom>
+            <a:noFill/>
+            <a:ln w="57150"/>
+          </p:spPr>
+          <p:style>
+            <a:lnRef idx="2">
+              <a:schemeClr val="accent1">
+                <a:shade val="50000"/>
+              </a:schemeClr>
+            </a:lnRef>
+            <a:fillRef idx="1">
+              <a:schemeClr val="accent1"/>
+            </a:fillRef>
+            <a:effectRef idx="0">
+              <a:schemeClr val="accent1"/>
+            </a:effectRef>
+            <a:fontRef idx="minor">
+              <a:schemeClr val="lt1"/>
+            </a:fontRef>
+          </p:style>
+          <p:txBody>
+            <a:bodyPr rtlCol="0" anchor="ctr"/>
+            <a:lstStyle/>
+            <a:p>
+              <a:pPr algn="ctr"/>
+              <a:r>
+                <a:rPr lang="en-US" b="1" dirty="0">
+                  <a:solidFill>
+                    <a:schemeClr val="tx1"/>
+                  </a:solidFill>
+                </a:rPr>
+                <a:t>Objectives for PI 1</a:t>
+              </a:r>
+              <a:endParaRPr lang="en-IN" b="1" dirty="0">
+                <a:solidFill>
+                  <a:schemeClr val="tx1"/>
+                </a:solidFill>
+              </a:endParaRPr>
+            </a:p>
+          </p:txBody>
+        </p:sp>
+        <p:sp>
+          <p:nvSpPr>
+            <p:cNvPr id="7" name="Rectangle 6">
+              <a:extLst>
+                <a:ext uri="{FF2B5EF4-FFF2-40B4-BE49-F238E27FC236}">
+                  <a16:creationId xmlns:a16="http://schemas.microsoft.com/office/drawing/2014/main" id="{CDBCDC26-7F88-4DE9-AC4D-CD9EBCD48E3A}"/>
+                </a:ext>
+              </a:extLst>
+            </p:cNvPr>
+            <p:cNvSpPr/>
+            <p:nvPr/>
+          </p:nvSpPr>
+          <p:spPr>
+            <a:xfrm>
+              <a:off x="8910578" y="2276799"/>
+              <a:ext cx="2874378" cy="180472"/>
+            </a:xfrm>
+            <a:prstGeom prst="rect">
+              <a:avLst/>
+            </a:prstGeom>
+            <a:solidFill>
+              <a:schemeClr val="bg1">
+                <a:lumMod val="85000"/>
+              </a:schemeClr>
+            </a:solidFill>
+            <a:ln>
+              <a:noFill/>
+            </a:ln>
+          </p:spPr>
+          <p:style>
+            <a:lnRef idx="2">
+              <a:schemeClr val="accent1">
+                <a:shade val="50000"/>
+              </a:schemeClr>
+            </a:lnRef>
+            <a:fillRef idx="1">
+              <a:schemeClr val="accent1"/>
+            </a:fillRef>
+            <a:effectRef idx="0">
+              <a:schemeClr val="accent1"/>
+            </a:effectRef>
+            <a:fontRef idx="minor">
+              <a:schemeClr val="lt1"/>
+            </a:fontRef>
+          </p:style>
+          <p:txBody>
+            <a:bodyPr rtlCol="0" anchor="ctr"/>
+            <a:lstStyle/>
+            <a:p>
+              <a:pPr algn="ctr"/>
+              <a:endParaRPr lang="en-IN"/>
+            </a:p>
+          </p:txBody>
+        </p:sp>
+        <p:sp>
+          <p:nvSpPr>
+            <p:cNvPr id="8" name="Rectangle 7">
+              <a:extLst>
+                <a:ext uri="{FF2B5EF4-FFF2-40B4-BE49-F238E27FC236}">
+                  <a16:creationId xmlns:a16="http://schemas.microsoft.com/office/drawing/2014/main" id="{14367D52-E09A-428F-A15F-5D3C6386D9A2}"/>
+                </a:ext>
+              </a:extLst>
+            </p:cNvPr>
+            <p:cNvSpPr/>
+            <p:nvPr/>
+          </p:nvSpPr>
+          <p:spPr>
+            <a:xfrm>
+              <a:off x="8910578" y="2621948"/>
+              <a:ext cx="1157468" cy="180472"/>
+            </a:xfrm>
+            <a:prstGeom prst="rect">
+              <a:avLst/>
+            </a:prstGeom>
+            <a:solidFill>
+              <a:schemeClr val="bg1">
+                <a:lumMod val="85000"/>
+              </a:schemeClr>
+            </a:solidFill>
+            <a:ln>
+              <a:noFill/>
+            </a:ln>
+          </p:spPr>
+          <p:style>
+            <a:lnRef idx="2">
+              <a:schemeClr val="accent1">
+                <a:shade val="50000"/>
+              </a:schemeClr>
+            </a:lnRef>
+            <a:fillRef idx="1">
+              <a:schemeClr val="accent1"/>
+            </a:fillRef>
+            <a:effectRef idx="0">
+              <a:schemeClr val="accent1"/>
+            </a:effectRef>
+            <a:fontRef idx="minor">
+              <a:schemeClr val="lt1"/>
+            </a:fontRef>
+          </p:style>
+          <p:txBody>
+            <a:bodyPr rtlCol="0" anchor="ctr"/>
+            <a:lstStyle/>
+            <a:p>
+              <a:pPr algn="ctr"/>
+              <a:endParaRPr lang="en-IN"/>
+            </a:p>
+          </p:txBody>
+        </p:sp>
+        <p:sp>
+          <p:nvSpPr>
+            <p:cNvPr id="9" name="Rectangle 8">
+              <a:extLst>
+                <a:ext uri="{FF2B5EF4-FFF2-40B4-BE49-F238E27FC236}">
+                  <a16:creationId xmlns:a16="http://schemas.microsoft.com/office/drawing/2014/main" id="{A63DB8EA-4536-4ACB-BACC-25209B4E1DB1}"/>
+                </a:ext>
+              </a:extLst>
+            </p:cNvPr>
+            <p:cNvSpPr/>
+            <p:nvPr/>
+          </p:nvSpPr>
+          <p:spPr>
+            <a:xfrm>
+              <a:off x="8899967" y="3015856"/>
+              <a:ext cx="2152890" cy="180472"/>
+            </a:xfrm>
+            <a:prstGeom prst="rect">
+              <a:avLst/>
+            </a:prstGeom>
+            <a:solidFill>
+              <a:schemeClr val="bg1">
+                <a:lumMod val="85000"/>
+              </a:schemeClr>
+            </a:solidFill>
+            <a:ln>
+              <a:noFill/>
+            </a:ln>
+          </p:spPr>
+          <p:style>
+            <a:lnRef idx="2">
+              <a:schemeClr val="accent1">
+                <a:shade val="50000"/>
+              </a:schemeClr>
+            </a:lnRef>
+            <a:fillRef idx="1">
+              <a:schemeClr val="accent1"/>
+            </a:fillRef>
+            <a:effectRef idx="0">
+              <a:schemeClr val="accent1"/>
+            </a:effectRef>
+            <a:fontRef idx="minor">
+              <a:schemeClr val="lt1"/>
+            </a:fontRef>
+          </p:style>
+          <p:txBody>
+            <a:bodyPr rtlCol="0" anchor="ctr"/>
+            <a:lstStyle/>
+            <a:p>
+              <a:pPr algn="ctr"/>
+              <a:endParaRPr lang="en-IN"/>
+            </a:p>
+          </p:txBody>
+        </p:sp>
+        <p:sp>
+          <p:nvSpPr>
+            <p:cNvPr id="10" name="Rectangle 9">
+              <a:extLst>
+                <a:ext uri="{FF2B5EF4-FFF2-40B4-BE49-F238E27FC236}">
+                  <a16:creationId xmlns:a16="http://schemas.microsoft.com/office/drawing/2014/main" id="{97A894BF-8BFD-4710-B6CF-A4B7E8826ED0}"/>
+                </a:ext>
+              </a:extLst>
+            </p:cNvPr>
+            <p:cNvSpPr/>
+            <p:nvPr/>
+          </p:nvSpPr>
+          <p:spPr>
+            <a:xfrm>
+              <a:off x="8910578" y="3382454"/>
+              <a:ext cx="2874378" cy="180472"/>
+            </a:xfrm>
+            <a:prstGeom prst="rect">
+              <a:avLst/>
+            </a:prstGeom>
+            <a:solidFill>
+              <a:schemeClr val="bg1">
+                <a:lumMod val="85000"/>
+              </a:schemeClr>
+            </a:solidFill>
+            <a:ln>
+              <a:noFill/>
+            </a:ln>
+          </p:spPr>
+          <p:style>
+            <a:lnRef idx="2">
+              <a:schemeClr val="accent1">
+                <a:shade val="50000"/>
+              </a:schemeClr>
+            </a:lnRef>
+            <a:fillRef idx="1">
+              <a:schemeClr val="accent1"/>
+            </a:fillRef>
+            <a:effectRef idx="0">
+              <a:schemeClr val="accent1"/>
+            </a:effectRef>
+            <a:fontRef idx="minor">
+              <a:schemeClr val="lt1"/>
+            </a:fontRef>
+          </p:style>
+          <p:txBody>
+            <a:bodyPr rtlCol="0" anchor="ctr"/>
+            <a:lstStyle/>
+            <a:p>
+              <a:pPr algn="ctr"/>
+              <a:endParaRPr lang="en-IN"/>
+            </a:p>
+          </p:txBody>
+        </p:sp>
+        <p:sp>
+          <p:nvSpPr>
+            <p:cNvPr id="11" name="Rectangle 10">
+              <a:extLst>
+                <a:ext uri="{FF2B5EF4-FFF2-40B4-BE49-F238E27FC236}">
+                  <a16:creationId xmlns:a16="http://schemas.microsoft.com/office/drawing/2014/main" id="{2035C335-F31B-4669-BD26-E58CE1261455}"/>
+                </a:ext>
+              </a:extLst>
+            </p:cNvPr>
+            <p:cNvSpPr/>
+            <p:nvPr/>
+          </p:nvSpPr>
+          <p:spPr>
+            <a:xfrm>
+              <a:off x="8910578" y="3676960"/>
+              <a:ext cx="1157468" cy="180472"/>
+            </a:xfrm>
+            <a:prstGeom prst="rect">
+              <a:avLst/>
+            </a:prstGeom>
+            <a:solidFill>
+              <a:schemeClr val="bg1">
+                <a:lumMod val="85000"/>
+              </a:schemeClr>
+            </a:solidFill>
+            <a:ln>
+              <a:noFill/>
+            </a:ln>
+          </p:spPr>
+          <p:style>
+            <a:lnRef idx="2">
+              <a:schemeClr val="accent1">
+                <a:shade val="50000"/>
+              </a:schemeClr>
+            </a:lnRef>
+            <a:fillRef idx="1">
+              <a:schemeClr val="accent1"/>
+            </a:fillRef>
+            <a:effectRef idx="0">
+              <a:schemeClr val="accent1"/>
+            </a:effectRef>
+            <a:fontRef idx="minor">
+              <a:schemeClr val="lt1"/>
+            </a:fontRef>
+          </p:style>
+          <p:txBody>
+            <a:bodyPr rtlCol="0" anchor="ctr"/>
+            <a:lstStyle/>
+            <a:p>
+              <a:pPr algn="ctr"/>
+              <a:endParaRPr lang="en-IN"/>
+            </a:p>
+          </p:txBody>
+        </p:sp>
+        <p:cxnSp>
+          <p:nvCxnSpPr>
+            <p:cNvPr id="13" name="Straight Connector 12">
+              <a:extLst>
+                <a:ext uri="{FF2B5EF4-FFF2-40B4-BE49-F238E27FC236}">
+                  <a16:creationId xmlns:a16="http://schemas.microsoft.com/office/drawing/2014/main" id="{D4906876-3958-4D3C-B149-F1E1D9F7CD3F}"/>
+                </a:ext>
+              </a:extLst>
+            </p:cNvPr>
+            <p:cNvCxnSpPr/>
+            <p:nvPr/>
+          </p:nvCxnSpPr>
+          <p:spPr>
+            <a:xfrm>
+              <a:off x="8819909" y="4074289"/>
+              <a:ext cx="416688" cy="0"/>
+            </a:xfrm>
+            <a:prstGeom prst="line">
+              <a:avLst/>
+            </a:prstGeom>
+            <a:ln w="57150"/>
+          </p:spPr>
+          <p:style>
+            <a:lnRef idx="1">
+              <a:schemeClr val="accent1"/>
+            </a:lnRef>
+            <a:fillRef idx="0">
+              <a:schemeClr val="accent1"/>
+            </a:fillRef>
+            <a:effectRef idx="0">
+              <a:schemeClr val="accent1"/>
+            </a:effectRef>
+            <a:fontRef idx="minor">
+              <a:schemeClr val="tx1"/>
+            </a:fontRef>
+          </p:style>
+        </p:cxnSp>
+        <p:cxnSp>
+          <p:nvCxnSpPr>
+            <p:cNvPr id="15" name="Straight Connector 14">
+              <a:extLst>
+                <a:ext uri="{FF2B5EF4-FFF2-40B4-BE49-F238E27FC236}">
+                  <a16:creationId xmlns:a16="http://schemas.microsoft.com/office/drawing/2014/main" id="{609CB95A-D23C-40ED-BB58-3783939E6BF6}"/>
+                </a:ext>
+              </a:extLst>
+            </p:cNvPr>
+            <p:cNvCxnSpPr/>
+            <p:nvPr/>
+          </p:nvCxnSpPr>
+          <p:spPr>
+            <a:xfrm>
+              <a:off x="11458937" y="4076219"/>
+              <a:ext cx="416688" cy="0"/>
+            </a:xfrm>
+            <a:prstGeom prst="line">
+              <a:avLst/>
+            </a:prstGeom>
+            <a:ln w="57150"/>
+          </p:spPr>
+          <p:style>
+            <a:lnRef idx="1">
+              <a:schemeClr val="accent1"/>
+            </a:lnRef>
+            <a:fillRef idx="0">
+              <a:schemeClr val="accent1"/>
+            </a:fillRef>
+            <a:effectRef idx="0">
+              <a:schemeClr val="accent1"/>
+            </a:effectRef>
+            <a:fontRef idx="minor">
+              <a:schemeClr val="tx1"/>
+            </a:fontRef>
+          </p:style>
+        </p:cxnSp>
+        <p:sp>
+          <p:nvSpPr>
+            <p:cNvPr id="16" name="TextBox 15">
+              <a:extLst>
+                <a:ext uri="{FF2B5EF4-FFF2-40B4-BE49-F238E27FC236}">
+                  <a16:creationId xmlns:a16="http://schemas.microsoft.com/office/drawing/2014/main" id="{C05ED8CA-6C8A-4EC5-8B5C-2DAAFC4D0CD9}"/>
+                </a:ext>
+              </a:extLst>
+            </p:cNvPr>
+            <p:cNvSpPr txBox="1"/>
+            <p:nvPr/>
+          </p:nvSpPr>
+          <p:spPr>
+            <a:xfrm>
+              <a:off x="9236597" y="3901591"/>
+              <a:ext cx="2291788" cy="338554"/>
+            </a:xfrm>
+            <a:prstGeom prst="rect">
+              <a:avLst/>
+            </a:prstGeom>
+            <a:noFill/>
+          </p:spPr>
+          <p:txBody>
+            <a:bodyPr wrap="square" rtlCol="0">
+              <a:spAutoFit/>
+            </a:bodyPr>
+            <a:lstStyle/>
+            <a:p>
+              <a:r>
+                <a:rPr lang="en-US" sz="1600" b="1" dirty="0"/>
+                <a:t>Uncommitted Objectives</a:t>
+              </a:r>
+              <a:endParaRPr lang="en-IN" sz="1600" b="1" dirty="0"/>
+            </a:p>
+          </p:txBody>
+        </p:sp>
+        <p:sp>
+          <p:nvSpPr>
+            <p:cNvPr id="17" name="TextBox 16">
+              <a:extLst>
+                <a:ext uri="{FF2B5EF4-FFF2-40B4-BE49-F238E27FC236}">
+                  <a16:creationId xmlns:a16="http://schemas.microsoft.com/office/drawing/2014/main" id="{F9821A5A-A636-4B8D-B9F8-5FDE38B3E457}"/>
+                </a:ext>
+              </a:extLst>
+            </p:cNvPr>
+            <p:cNvSpPr txBox="1"/>
+            <p:nvPr/>
+          </p:nvSpPr>
+          <p:spPr>
+            <a:xfrm>
+              <a:off x="8910578" y="4195505"/>
+              <a:ext cx="2874378" cy="1384995"/>
+            </a:xfrm>
+            <a:prstGeom prst="rect">
+              <a:avLst/>
+            </a:prstGeom>
+            <a:noFill/>
+          </p:spPr>
+          <p:txBody>
+            <a:bodyPr wrap="square" rtlCol="0">
+              <a:spAutoFit/>
+            </a:bodyPr>
+            <a:lstStyle/>
+            <a:p>
+              <a:r>
+                <a:rPr lang="en-US" sz="1400" b="1" dirty="0"/>
+                <a:t>7. Spike: Reduce GPS signal loss by 25%.</a:t>
+              </a:r>
+            </a:p>
+            <a:p>
+              <a:r>
+                <a:rPr lang="en-US" sz="1400" b="1" dirty="0"/>
+                <a:t>8. Demonstrate real-time rerouting to avoid delays (e.g., accident, construction).</a:t>
+              </a:r>
+            </a:p>
+            <a:p>
+              <a:endParaRPr lang="en-IN" sz="1400" b="1" dirty="0"/>
+            </a:p>
+          </p:txBody>
+        </p:sp>
+      </p:grpSp>
+    </p:spTree>
+    <p:extLst>
+      <p:ext uri="{BB962C8B-B14F-4D97-AF65-F5344CB8AC3E}">
+        <p14:creationId xmlns:p14="http://schemas.microsoft.com/office/powerpoint/2010/main" val="1583211061"/>
+      </p:ext>
+    </p:extLst>
+  </p:cSld>
+  <p:clrMapOvr>
+    <a:masterClrMapping/>
+  </p:clrMapOvr>
+</p:sld>
+</file>
+
 <file path=ppt/slides/slide2.xml><?xml version="1.0" encoding="utf-8"?>
 <p:sld xmlns:a="http://schemas.openxmlformats.org/drawingml/2006/main" xmlns:r="http://schemas.openxmlformats.org/officeDocument/2006/relationships" xmlns:p="http://schemas.openxmlformats.org/presentationml/2006/main">
   <p:cSld>
@@ -16245,130 +17243,6 @@
           </a:p>
         </p:txBody>
       </p:sp>
-      <mc:AlternateContent xmlns:mc="http://schemas.openxmlformats.org/markup-compatibility/2006" xmlns:am3d="http://schemas.microsoft.com/office/drawing/2017/model3d">
-        <mc:Choice Requires="am3d">
-          <p:graphicFrame>
-            <p:nvGraphicFramePr>
-              <p:cNvPr id="91" name="3D Model 90" descr="Dark Gray Cube">
-                <a:extLst>
-                  <a:ext uri="{FF2B5EF4-FFF2-40B4-BE49-F238E27FC236}">
-                    <a16:creationId xmlns:a16="http://schemas.microsoft.com/office/drawing/2014/main" id="{1C4A784E-984D-41C1-9A89-BAFC52D51606}"/>
-                  </a:ext>
-                </a:extLst>
-              </p:cNvPr>
-              <p:cNvGraphicFramePr>
-                <a:graphicFrameLocks noChangeAspect="1"/>
-              </p:cNvGraphicFramePr>
-              <p:nvPr>
-                <p:extLst>
-                  <p:ext uri="{D42A27DB-BD31-4B8C-83A1-F6EECF244321}">
-                    <p14:modId xmlns:p14="http://schemas.microsoft.com/office/powerpoint/2010/main" val="1551844626"/>
-                  </p:ext>
-                </p:extLst>
-              </p:nvPr>
-            </p:nvGraphicFramePr>
-            <p:xfrm>
-              <a:off x="10441719" y="2071178"/>
-              <a:ext cx="1372260" cy="1609022"/>
-            </p:xfrm>
-            <a:graphic>
-              <a:graphicData uri="http://schemas.microsoft.com/office/drawing/2017/model3d">
-                <am3d:model3d r:embed="rId4">
-                  <am3d:spPr>
-                    <a:xfrm>
-                      <a:off x="0" y="0"/>
-                      <a:ext cx="1372260" cy="1609022"/>
-                    </a:xfrm>
-                    <a:prstGeom prst="rect">
-                      <a:avLst/>
-                    </a:prstGeom>
-                  </am3d:spPr>
-                  <am3d:camera>
-                    <am3d:pos x="0" y="0" z="81469193"/>
-                    <am3d:up dx="0" dy="36000000" dz="0"/>
-                    <am3d:lookAt x="0" y="0" z="0"/>
-                    <am3d:perspective fov="2700000"/>
-                  </am3d:camera>
-                  <am3d:trans>
-                    <am3d:meterPerModelUnit n="7140529" d="1000000"/>
-                    <am3d:preTrans dx="0" dy="-17999995" dz="5866"/>
-                    <am3d:scale>
-                      <am3d:sx n="1000000" d="1000000"/>
-                      <am3d:sy n="1000000" d="1000000"/>
-                      <am3d:sz n="1000000" d="1000000"/>
-                    </am3d:scale>
-                    <am3d:rot ax="2023589" ay="-2239944" az="-1322419"/>
-                    <am3d:postTrans dx="0" dy="0" dz="0"/>
-                  </am3d:trans>
-                  <am3d:raster rName="Office3DRenderer" rVer="16.0.8326">
-                    <am3d:blip r:embed="rId5"/>
-                  </am3d:raster>
-                  <am3d:objViewport viewportSz="1621160"/>
-                  <am3d:ambientLight>
-                    <am3d:clr>
-                      <a:scrgbClr r="50000" g="50000" b="50000"/>
-                    </am3d:clr>
-                    <am3d:illuminance n="500000" d="1000000"/>
-                  </am3d:ambientLight>
-                  <am3d:ptLight rad="0">
-                    <am3d:clr>
-                      <a:scrgbClr r="100000" g="75000" b="50000"/>
-                    </am3d:clr>
-                    <am3d:intensity n="9765625" d="1000000"/>
-                    <am3d:pos x="21959998" y="70920001" z="16344003"/>
-                  </am3d:ptLight>
-                  <am3d:ptLight rad="0">
-                    <am3d:clr>
-                      <a:scrgbClr r="40000" g="60000" b="95000"/>
-                    </am3d:clr>
-                    <am3d:intensity n="12250000" d="1000000"/>
-                    <am3d:pos x="-37964106" y="51130435" z="57631972"/>
-                  </am3d:ptLight>
-                  <am3d:ptLight rad="0">
-                    <am3d:clr>
-                      <a:scrgbClr r="86837" g="72700" b="100000"/>
-                    </am3d:clr>
-                    <am3d:intensity n="3125000" d="1000000"/>
-                    <am3d:pos x="-37739122" y="58056624" z="-34769649"/>
-                  </am3d:ptLight>
-                </am3d:model3d>
-              </a:graphicData>
-            </a:graphic>
-          </p:graphicFrame>
-        </mc:Choice>
-        <mc:Fallback xmlns="">
-          <p:pic>
-            <p:nvPicPr>
-              <p:cNvPr id="91" name="3D Model 90" descr="Dark Gray Cube">
-                <a:extLst>
-                  <a:ext uri="{FF2B5EF4-FFF2-40B4-BE49-F238E27FC236}">
-                    <a16:creationId xmlns:a16="http://schemas.microsoft.com/office/drawing/2014/main" id="{1C4A784E-984D-41C1-9A89-BAFC52D51606}"/>
-                  </a:ext>
-                </a:extLst>
-              </p:cNvPr>
-              <p:cNvPicPr>
-                <a:picLocks noGrp="1" noRot="1" noChangeAspect="1" noMove="1" noResize="1" noEditPoints="1" noAdjustHandles="1" noChangeArrowheads="1" noChangeShapeType="1" noCrop="1"/>
-              </p:cNvPicPr>
-              <p:nvPr/>
-            </p:nvPicPr>
-            <p:blipFill>
-              <a:blip r:embed="rId6"/>
-              <a:stretch>
-                <a:fillRect/>
-              </a:stretch>
-            </p:blipFill>
-            <p:spPr>
-              <a:xfrm>
-                <a:off x="10441719" y="2071178"/>
-                <a:ext cx="1372260" cy="1609022"/>
-              </a:xfrm>
-              <a:prstGeom prst="rect">
-                <a:avLst/>
-              </a:prstGeom>
-            </p:spPr>
-          </p:pic>
-        </mc:Fallback>
-      </mc:AlternateContent>
       <p:sp>
         <p:nvSpPr>
           <p:cNvPr id="2" name="Arrow: Curved Down 1">
@@ -16382,8 +17256,8 @@
           <p:nvPr/>
         </p:nvSpPr>
         <p:spPr>
-          <a:xfrm rot="3066369">
-            <a:off x="11402051" y="2212401"/>
+          <a:xfrm rot="3220403">
+            <a:off x="11303489" y="2209344"/>
             <a:ext cx="865686" cy="494649"/>
           </a:xfrm>
           <a:prstGeom prst="curvedDownArrow">
@@ -16447,7 +17321,71 @@
         </p:nvSpPr>
         <p:spPr>
           <a:xfrm rot="10601080">
-            <a:off x="10750220" y="3466110"/>
+            <a:off x="10562044" y="3471556"/>
+            <a:ext cx="1054019" cy="474958"/>
+          </a:xfrm>
+          <a:prstGeom prst="curvedDownArrow">
+            <a:avLst/>
+          </a:prstGeom>
+          <a:solidFill>
+            <a:schemeClr val="tx1">
+              <a:lumMod val="65000"/>
+              <a:lumOff val="35000"/>
+            </a:schemeClr>
+          </a:solidFill>
+          <a:ln>
+            <a:solidFill>
+              <a:schemeClr val="tx1">
+                <a:lumMod val="75000"/>
+                <a:lumOff val="25000"/>
+              </a:schemeClr>
+            </a:solidFill>
+          </a:ln>
+        </p:spPr>
+        <p:style>
+          <a:lnRef idx="2">
+            <a:schemeClr val="accent1">
+              <a:shade val="50000"/>
+            </a:schemeClr>
+          </a:lnRef>
+          <a:fillRef idx="1">
+            <a:schemeClr val="accent1"/>
+          </a:fillRef>
+          <a:effectRef idx="0">
+            <a:schemeClr val="accent1"/>
+          </a:effectRef>
+          <a:fontRef idx="minor">
+            <a:schemeClr val="lt1"/>
+          </a:fontRef>
+        </p:style>
+        <p:txBody>
+          <a:bodyPr rtlCol="0" anchor="ctr"/>
+          <a:lstStyle/>
+          <a:p>
+            <a:pPr algn="ctr"/>
+            <a:endParaRPr lang="en-IN">
+              <a:solidFill>
+                <a:schemeClr val="tx1"/>
+              </a:solidFill>
+            </a:endParaRPr>
+          </a:p>
+        </p:txBody>
+      </p:sp>
+      <p:sp>
+        <p:nvSpPr>
+          <p:cNvPr id="56" name="Arrow: Curved Down 55">
+            <a:extLst>
+              <a:ext uri="{FF2B5EF4-FFF2-40B4-BE49-F238E27FC236}">
+                <a16:creationId xmlns:a16="http://schemas.microsoft.com/office/drawing/2014/main" id="{291F6C56-F4F5-4F55-9A29-62FD3DB56C99}"/>
+              </a:ext>
+            </a:extLst>
+          </p:cNvPr>
+          <p:cNvSpPr/>
+          <p:nvPr/>
+        </p:nvSpPr>
+        <p:spPr>
+          <a:xfrm rot="18287648">
+            <a:off x="9947182" y="2227865"/>
             <a:ext cx="865686" cy="474958"/>
           </a:xfrm>
           <a:prstGeom prst="curvedDownArrow">
@@ -16489,71 +17427,7 @@
           <a:lstStyle/>
           <a:p>
             <a:pPr algn="ctr"/>
-            <a:endParaRPr lang="en-IN">
-              <a:solidFill>
-                <a:schemeClr val="tx1"/>
-              </a:solidFill>
-            </a:endParaRPr>
-          </a:p>
-        </p:txBody>
-      </p:sp>
-      <p:sp>
-        <p:nvSpPr>
-          <p:cNvPr id="56" name="Arrow: Curved Down 55">
-            <a:extLst>
-              <a:ext uri="{FF2B5EF4-FFF2-40B4-BE49-F238E27FC236}">
-                <a16:creationId xmlns:a16="http://schemas.microsoft.com/office/drawing/2014/main" id="{291F6C56-F4F5-4F55-9A29-62FD3DB56C99}"/>
-              </a:ext>
-            </a:extLst>
-          </p:cNvPr>
-          <p:cNvSpPr/>
-          <p:nvPr/>
-        </p:nvSpPr>
-        <p:spPr>
-          <a:xfrm rot="16464322">
-            <a:off x="9808032" y="2342296"/>
-            <a:ext cx="865686" cy="474958"/>
-          </a:xfrm>
-          <a:prstGeom prst="curvedDownArrow">
-            <a:avLst/>
-          </a:prstGeom>
-          <a:solidFill>
-            <a:schemeClr val="tx1">
-              <a:lumMod val="65000"/>
-              <a:lumOff val="35000"/>
-            </a:schemeClr>
-          </a:solidFill>
-          <a:ln>
-            <a:solidFill>
-              <a:schemeClr val="tx1">
-                <a:lumMod val="75000"/>
-                <a:lumOff val="25000"/>
-              </a:schemeClr>
-            </a:solidFill>
-          </a:ln>
-        </p:spPr>
-        <p:style>
-          <a:lnRef idx="2">
-            <a:schemeClr val="accent1">
-              <a:shade val="50000"/>
-            </a:schemeClr>
-          </a:lnRef>
-          <a:fillRef idx="1">
-            <a:schemeClr val="accent1"/>
-          </a:fillRef>
-          <a:effectRef idx="0">
-            <a:schemeClr val="accent1"/>
-          </a:effectRef>
-          <a:fontRef idx="minor">
-            <a:schemeClr val="lt1"/>
-          </a:fontRef>
-        </p:style>
-        <p:txBody>
-          <a:bodyPr rtlCol="0" anchor="ctr"/>
-          <a:lstStyle/>
-          <a:p>
-            <a:pPr algn="ctr"/>
-            <a:endParaRPr lang="en-IN">
+            <a:endParaRPr lang="en-IN" dirty="0">
               <a:solidFill>
                 <a:schemeClr val="tx1"/>
               </a:solidFill>
@@ -16684,6 +17558,61 @@
               <a:t>Maturation</a:t>
             </a:r>
             <a:endParaRPr lang="en-IN" dirty="0"/>
+          </a:p>
+        </p:txBody>
+      </p:sp>
+      <p:sp>
+        <p:nvSpPr>
+          <p:cNvPr id="4" name="Cube 3">
+            <a:extLst>
+              <a:ext uri="{FF2B5EF4-FFF2-40B4-BE49-F238E27FC236}">
+                <a16:creationId xmlns:a16="http://schemas.microsoft.com/office/drawing/2014/main" id="{AC02DA1A-2E07-4276-A9FD-99E8CF714B2D}"/>
+              </a:ext>
+            </a:extLst>
+          </p:cNvPr>
+          <p:cNvSpPr/>
+          <p:nvPr/>
+        </p:nvSpPr>
+        <p:spPr>
+          <a:xfrm>
+            <a:off x="10467436" y="2434183"/>
+            <a:ext cx="1123294" cy="1014611"/>
+          </a:xfrm>
+          <a:prstGeom prst="cube">
+            <a:avLst/>
+          </a:prstGeom>
+          <a:solidFill>
+            <a:schemeClr val="tx1">
+              <a:lumMod val="75000"/>
+              <a:lumOff val="25000"/>
+            </a:schemeClr>
+          </a:solidFill>
+          <a:ln>
+            <a:noFill/>
+          </a:ln>
+        </p:spPr>
+        <p:style>
+          <a:lnRef idx="2">
+            <a:schemeClr val="accent1">
+              <a:shade val="50000"/>
+            </a:schemeClr>
+          </a:lnRef>
+          <a:fillRef idx="1">
+            <a:schemeClr val="accent1"/>
+          </a:fillRef>
+          <a:effectRef idx="0">
+            <a:schemeClr val="accent1"/>
+          </a:effectRef>
+          <a:fontRef idx="minor">
+            <a:schemeClr val="lt1"/>
+          </a:fontRef>
+        </p:style>
+        <p:txBody>
+          <a:bodyPr rtlCol="0" anchor="ctr"/>
+          <a:lstStyle/>
+          <a:p>
+            <a:pPr algn="ctr"/>
+            <a:endParaRPr lang="en-IN"/>
           </a:p>
         </p:txBody>
       </p:sp>
@@ -19481,6 +20410,1584 @@
 </p:sld>
 </file>
 
+<file path=ppt/slides/slide7.xml><?xml version="1.0" encoding="utf-8"?>
+<p:sld xmlns:a="http://schemas.openxmlformats.org/drawingml/2006/main" xmlns:r="http://schemas.openxmlformats.org/officeDocument/2006/relationships" xmlns:p="http://schemas.openxmlformats.org/presentationml/2006/main">
+  <p:cSld>
+    <p:spTree>
+      <p:nvGrpSpPr>
+        <p:cNvPr id="1" name=""/>
+        <p:cNvGrpSpPr/>
+        <p:nvPr/>
+      </p:nvGrpSpPr>
+      <p:grpSpPr>
+        <a:xfrm>
+          <a:off x="0" y="0"/>
+          <a:ext cx="0" cy="0"/>
+          <a:chOff x="0" y="0"/>
+          <a:chExt cx="0" cy="0"/>
+        </a:xfrm>
+      </p:grpSpPr>
+      <p:sp>
+        <p:nvSpPr>
+          <p:cNvPr id="4" name="TextBox 3">
+            <a:extLst>
+              <a:ext uri="{FF2B5EF4-FFF2-40B4-BE49-F238E27FC236}">
+                <a16:creationId xmlns:a16="http://schemas.microsoft.com/office/drawing/2014/main" id="{3D3C720A-5B30-47DF-B204-AC837143A01D}"/>
+              </a:ext>
+            </a:extLst>
+          </p:cNvPr>
+          <p:cNvSpPr txBox="1"/>
+          <p:nvPr/>
+        </p:nvSpPr>
+        <p:spPr>
+          <a:xfrm>
+            <a:off x="0" y="162999"/>
+            <a:ext cx="12192000" cy="461665"/>
+          </a:xfrm>
+          <a:prstGeom prst="rect">
+            <a:avLst/>
+          </a:prstGeom>
+          <a:solidFill>
+            <a:schemeClr val="bg1">
+              <a:lumMod val="75000"/>
+            </a:schemeClr>
+          </a:solidFill>
+        </p:spPr>
+        <p:txBody>
+          <a:bodyPr wrap="square" rtlCol="0">
+            <a:spAutoFit/>
+          </a:bodyPr>
+          <a:lstStyle/>
+          <a:p>
+            <a:pPr algn="ctr"/>
+            <a:r>
+              <a:rPr lang="en-US" sz="2400" dirty="0"/>
+              <a:t>What is PI Planning?</a:t>
+            </a:r>
+            <a:endParaRPr lang="en-IN" sz="2400" dirty="0"/>
+          </a:p>
+        </p:txBody>
+      </p:sp>
+      <p:sp>
+        <p:nvSpPr>
+          <p:cNvPr id="5" name="TextBox 4">
+            <a:extLst>
+              <a:ext uri="{FF2B5EF4-FFF2-40B4-BE49-F238E27FC236}">
+                <a16:creationId xmlns:a16="http://schemas.microsoft.com/office/drawing/2014/main" id="{EBE89178-C820-449A-B9E3-45F8CD46778F}"/>
+              </a:ext>
+            </a:extLst>
+          </p:cNvPr>
+          <p:cNvSpPr txBox="1"/>
+          <p:nvPr/>
+        </p:nvSpPr>
+        <p:spPr>
+          <a:xfrm>
+            <a:off x="372140" y="1105786"/>
+            <a:ext cx="11447720" cy="646331"/>
+          </a:xfrm>
+          <a:prstGeom prst="rect">
+            <a:avLst/>
+          </a:prstGeom>
+          <a:noFill/>
+        </p:spPr>
+        <p:txBody>
+          <a:bodyPr wrap="square" rtlCol="0">
+            <a:spAutoFit/>
+          </a:bodyPr>
+          <a:lstStyle/>
+          <a:p>
+            <a:r>
+              <a:rPr lang="en-US" dirty="0"/>
+              <a:t>Program Increment (PI) planning is a cadence-based, face-to-face event that serves as the heartbeat of the Agile Release Train (ART), aligning all teams on the ART to a shared mission and vision.</a:t>
+            </a:r>
+            <a:endParaRPr lang="en-IN" dirty="0"/>
+          </a:p>
+        </p:txBody>
+      </p:sp>
+      <p:sp>
+        <p:nvSpPr>
+          <p:cNvPr id="6" name="TextBox 5">
+            <a:extLst>
+              <a:ext uri="{FF2B5EF4-FFF2-40B4-BE49-F238E27FC236}">
+                <a16:creationId xmlns:a16="http://schemas.microsoft.com/office/drawing/2014/main" id="{2E8CB42E-CC2F-47DE-9422-BE7F426FF6B3}"/>
+              </a:ext>
+            </a:extLst>
+          </p:cNvPr>
+          <p:cNvSpPr txBox="1"/>
+          <p:nvPr/>
+        </p:nvSpPr>
+        <p:spPr>
+          <a:xfrm>
+            <a:off x="276447" y="2243562"/>
+            <a:ext cx="6321124" cy="3139321"/>
+          </a:xfrm>
+          <a:prstGeom prst="rect">
+            <a:avLst/>
+          </a:prstGeom>
+          <a:noFill/>
+        </p:spPr>
+        <p:txBody>
+          <a:bodyPr wrap="square" rtlCol="0">
+            <a:spAutoFit/>
+          </a:bodyPr>
+          <a:lstStyle/>
+          <a:p>
+            <a:pPr marL="285750" indent="-285750">
+              <a:buFont typeface="Wingdings" panose="05000000000000000000" pitchFamily="2" charset="2"/>
+              <a:buChar char="Ø"/>
+            </a:pPr>
+            <a:r>
+              <a:rPr lang="en-US" dirty="0"/>
+              <a:t>Two days every 8-12 weeks (typically 10 weeks).</a:t>
+            </a:r>
+          </a:p>
+          <a:p>
+            <a:pPr marL="285750" indent="-285750">
+              <a:buFont typeface="Wingdings" panose="05000000000000000000" pitchFamily="2" charset="2"/>
+              <a:buChar char="Ø"/>
+            </a:pPr>
+            <a:endParaRPr lang="en-US" dirty="0"/>
+          </a:p>
+          <a:p>
+            <a:pPr marL="285750" indent="-285750">
+              <a:buFont typeface="Wingdings" panose="05000000000000000000" pitchFamily="2" charset="2"/>
+              <a:buChar char="Ø"/>
+            </a:pPr>
+            <a:r>
+              <a:rPr lang="en-US" dirty="0"/>
+              <a:t>Everyone plans together.</a:t>
+            </a:r>
+          </a:p>
+          <a:p>
+            <a:pPr marL="285750" indent="-285750">
+              <a:buFont typeface="Wingdings" panose="05000000000000000000" pitchFamily="2" charset="2"/>
+              <a:buChar char="Ø"/>
+            </a:pPr>
+            <a:endParaRPr lang="en-US" dirty="0"/>
+          </a:p>
+          <a:p>
+            <a:pPr marL="285750" indent="-285750">
+              <a:buFont typeface="Wingdings" panose="05000000000000000000" pitchFamily="2" charset="2"/>
+              <a:buChar char="Ø"/>
+            </a:pPr>
+            <a:r>
+              <a:rPr lang="en-US" dirty="0"/>
+              <a:t>Product Management owns Features priorities.</a:t>
+            </a:r>
+          </a:p>
+          <a:p>
+            <a:pPr marL="285750" indent="-285750">
+              <a:buFont typeface="Wingdings" panose="05000000000000000000" pitchFamily="2" charset="2"/>
+              <a:buChar char="Ø"/>
+            </a:pPr>
+            <a:endParaRPr lang="en-US" dirty="0"/>
+          </a:p>
+          <a:p>
+            <a:pPr marL="285750" indent="-285750">
+              <a:buFont typeface="Wingdings" panose="05000000000000000000" pitchFamily="2" charset="2"/>
+              <a:buChar char="Ø"/>
+            </a:pPr>
+            <a:r>
+              <a:rPr lang="en-US" dirty="0"/>
+              <a:t>Development teams own Story planning and high-level estimates.</a:t>
+            </a:r>
+          </a:p>
+          <a:p>
+            <a:pPr marL="285750" indent="-285750">
+              <a:buFont typeface="Wingdings" panose="05000000000000000000" pitchFamily="2" charset="2"/>
+              <a:buChar char="Ø"/>
+            </a:pPr>
+            <a:endParaRPr lang="en-US" dirty="0"/>
+          </a:p>
+          <a:p>
+            <a:pPr marL="285750" indent="-285750">
+              <a:buFont typeface="Wingdings" panose="05000000000000000000" pitchFamily="2" charset="2"/>
+              <a:buChar char="Ø"/>
+            </a:pPr>
+            <a:r>
+              <a:rPr lang="en-US" dirty="0"/>
+              <a:t>Architect/ Engineering and UX work as intermediaries for governance, interfaces and dependencies.</a:t>
+            </a:r>
+            <a:endParaRPr lang="en-IN" dirty="0"/>
+          </a:p>
+        </p:txBody>
+      </p:sp>
+      <p:sp>
+        <p:nvSpPr>
+          <p:cNvPr id="7" name="AutoShape 2" descr="PI Planning">
+            <a:extLst>
+              <a:ext uri="{FF2B5EF4-FFF2-40B4-BE49-F238E27FC236}">
+                <a16:creationId xmlns:a16="http://schemas.microsoft.com/office/drawing/2014/main" id="{010C5F3F-0136-4EDE-A0A4-21F7CD9F786A}"/>
+              </a:ext>
+            </a:extLst>
+          </p:cNvPr>
+          <p:cNvSpPr>
+            <a:spLocks noChangeAspect="1" noChangeArrowheads="1"/>
+          </p:cNvSpPr>
+          <p:nvPr/>
+        </p:nvSpPr>
+        <p:spPr bwMode="auto">
+          <a:xfrm>
+            <a:off x="5943600" y="3276600"/>
+            <a:ext cx="4072270" cy="4072270"/>
+          </a:xfrm>
+          <a:prstGeom prst="rect">
+            <a:avLst/>
+          </a:prstGeom>
+          <a:noFill/>
+          <a:extLst>
+            <a:ext uri="{909E8E84-426E-40DD-AFC4-6F175D3DCCD1}">
+              <a14:hiddenFill xmlns:a14="http://schemas.microsoft.com/office/drawing/2010/main">
+                <a:solidFill>
+                  <a:srgbClr val="FFFFFF"/>
+                </a:solidFill>
+              </a14:hiddenFill>
+            </a:ext>
+          </a:extLst>
+        </p:spPr>
+        <p:txBody>
+          <a:bodyPr vert="horz" wrap="square" lIns="91440" tIns="45720" rIns="91440" bIns="45720" numCol="1" anchor="t" anchorCtr="0" compatLnSpc="1">
+            <a:prstTxWarp prst="textNoShape">
+              <a:avLst/>
+            </a:prstTxWarp>
+          </a:bodyPr>
+          <a:lstStyle/>
+          <a:p>
+            <a:endParaRPr lang="en-IN"/>
+          </a:p>
+        </p:txBody>
+      </p:sp>
+      <p:pic>
+        <p:nvPicPr>
+          <p:cNvPr id="10" name="Picture 9">
+            <a:extLst>
+              <a:ext uri="{FF2B5EF4-FFF2-40B4-BE49-F238E27FC236}">
+                <a16:creationId xmlns:a16="http://schemas.microsoft.com/office/drawing/2014/main" id="{88ECE8AB-E049-46CB-B2A7-7AF62F4C2202}"/>
+              </a:ext>
+            </a:extLst>
+          </p:cNvPr>
+          <p:cNvPicPr>
+            <a:picLocks noChangeAspect="1"/>
+          </p:cNvPicPr>
+          <p:nvPr/>
+        </p:nvPicPr>
+        <p:blipFill rotWithShape="1">
+          <a:blip r:embed="rId2">
+            <a:extLst>
+              <a:ext uri="{BEBA8EAE-BF5A-486C-A8C5-ECC9F3942E4B}">
+                <a14:imgProps xmlns:a14="http://schemas.microsoft.com/office/drawing/2010/main">
+                  <a14:imgLayer r:embed="rId3">
+                    <a14:imgEffect>
+                      <a14:brightnessContrast bright="5000" contrast="-13000"/>
+                    </a14:imgEffect>
+                  </a14:imgLayer>
+                </a14:imgProps>
+              </a:ext>
+            </a:extLst>
+          </a:blip>
+          <a:srcRect l="7840" t="11796" r="7136" b="20290"/>
+          <a:stretch/>
+        </p:blipFill>
+        <p:spPr>
+          <a:xfrm>
+            <a:off x="6416152" y="2370882"/>
+            <a:ext cx="5667818" cy="2571508"/>
+          </a:xfrm>
+          <a:prstGeom prst="rect">
+            <a:avLst/>
+          </a:prstGeom>
+        </p:spPr>
+      </p:pic>
+    </p:spTree>
+    <p:extLst>
+      <p:ext uri="{BB962C8B-B14F-4D97-AF65-F5344CB8AC3E}">
+        <p14:creationId xmlns:p14="http://schemas.microsoft.com/office/powerpoint/2010/main" val="2201219900"/>
+      </p:ext>
+    </p:extLst>
+  </p:cSld>
+  <p:clrMapOvr>
+    <a:masterClrMapping/>
+  </p:clrMapOvr>
+</p:sld>
+</file>
+
+<file path=ppt/slides/slide8.xml><?xml version="1.0" encoding="utf-8"?>
+<p:sld xmlns:a="http://schemas.openxmlformats.org/drawingml/2006/main" xmlns:r="http://schemas.openxmlformats.org/officeDocument/2006/relationships" xmlns:p="http://schemas.openxmlformats.org/presentationml/2006/main">
+  <p:cSld>
+    <p:spTree>
+      <p:nvGrpSpPr>
+        <p:cNvPr id="1" name=""/>
+        <p:cNvGrpSpPr/>
+        <p:nvPr/>
+      </p:nvGrpSpPr>
+      <p:grpSpPr>
+        <a:xfrm>
+          <a:off x="0" y="0"/>
+          <a:ext cx="0" cy="0"/>
+          <a:chOff x="0" y="0"/>
+          <a:chExt cx="0" cy="0"/>
+        </a:xfrm>
+      </p:grpSpPr>
+      <p:sp>
+        <p:nvSpPr>
+          <p:cNvPr id="4" name="TextBox 3">
+            <a:extLst>
+              <a:ext uri="{FF2B5EF4-FFF2-40B4-BE49-F238E27FC236}">
+                <a16:creationId xmlns:a16="http://schemas.microsoft.com/office/drawing/2014/main" id="{CAB32BC7-AD8D-462C-8357-DCCAECDFC1BB}"/>
+              </a:ext>
+            </a:extLst>
+          </p:cNvPr>
+          <p:cNvSpPr txBox="1"/>
+          <p:nvPr/>
+        </p:nvSpPr>
+        <p:spPr>
+          <a:xfrm>
+            <a:off x="0" y="162999"/>
+            <a:ext cx="12192000" cy="461665"/>
+          </a:xfrm>
+          <a:prstGeom prst="rect">
+            <a:avLst/>
+          </a:prstGeom>
+          <a:solidFill>
+            <a:schemeClr val="bg1">
+              <a:lumMod val="75000"/>
+            </a:schemeClr>
+          </a:solidFill>
+        </p:spPr>
+        <p:txBody>
+          <a:bodyPr wrap="square" rtlCol="0">
+            <a:spAutoFit/>
+          </a:bodyPr>
+          <a:lstStyle/>
+          <a:p>
+            <a:pPr algn="ctr"/>
+            <a:r>
+              <a:rPr lang="en-US" sz="2400" dirty="0"/>
+              <a:t>Benefits of PI Planning</a:t>
+            </a:r>
+            <a:endParaRPr lang="en-IN" sz="2400" dirty="0"/>
+          </a:p>
+        </p:txBody>
+      </p:sp>
+      <p:sp>
+        <p:nvSpPr>
+          <p:cNvPr id="5" name="TextBox 4">
+            <a:extLst>
+              <a:ext uri="{FF2B5EF4-FFF2-40B4-BE49-F238E27FC236}">
+                <a16:creationId xmlns:a16="http://schemas.microsoft.com/office/drawing/2014/main" id="{38A9E92C-BF49-4F7A-A952-952264170F71}"/>
+              </a:ext>
+            </a:extLst>
+          </p:cNvPr>
+          <p:cNvSpPr txBox="1"/>
+          <p:nvPr/>
+        </p:nvSpPr>
+        <p:spPr>
+          <a:xfrm>
+            <a:off x="2345802" y="1215342"/>
+            <a:ext cx="7500395" cy="4247317"/>
+          </a:xfrm>
+          <a:prstGeom prst="rect">
+            <a:avLst/>
+          </a:prstGeom>
+          <a:noFill/>
+        </p:spPr>
+        <p:txBody>
+          <a:bodyPr wrap="square" rtlCol="0">
+            <a:spAutoFit/>
+          </a:bodyPr>
+          <a:lstStyle/>
+          <a:p>
+            <a:pPr marL="285750" indent="-285750">
+              <a:buFont typeface="Wingdings" panose="05000000000000000000" pitchFamily="2" charset="2"/>
+              <a:buChar char="Ø"/>
+            </a:pPr>
+            <a:r>
+              <a:rPr lang="en-US" dirty="0"/>
+              <a:t>Establishing personal communication across all team members and stakeholders.</a:t>
+            </a:r>
+          </a:p>
+          <a:p>
+            <a:pPr marL="285750" indent="-285750">
+              <a:buFont typeface="Wingdings" panose="05000000000000000000" pitchFamily="2" charset="2"/>
+              <a:buChar char="Ø"/>
+            </a:pPr>
+            <a:endParaRPr lang="en-US" dirty="0"/>
+          </a:p>
+          <a:p>
+            <a:pPr marL="285750" indent="-285750">
+              <a:buFont typeface="Wingdings" panose="05000000000000000000" pitchFamily="2" charset="2"/>
+              <a:buChar char="Ø"/>
+            </a:pPr>
+            <a:r>
+              <a:rPr lang="en-US" dirty="0"/>
+              <a:t>Fast decision-making</a:t>
+            </a:r>
+          </a:p>
+          <a:p>
+            <a:pPr marL="285750" indent="-285750">
+              <a:buFont typeface="Wingdings" panose="05000000000000000000" pitchFamily="2" charset="2"/>
+              <a:buChar char="Ø"/>
+            </a:pPr>
+            <a:endParaRPr lang="en-US" dirty="0"/>
+          </a:p>
+          <a:p>
+            <a:pPr marL="285750" indent="-285750">
+              <a:buFont typeface="Wingdings" panose="05000000000000000000" pitchFamily="2" charset="2"/>
+              <a:buChar char="Ø"/>
+            </a:pPr>
+            <a:r>
+              <a:rPr lang="en-US" dirty="0"/>
+              <a:t>Identifying dependencies and fostering cross-team and cross-ART collaboration.</a:t>
+            </a:r>
+          </a:p>
+          <a:p>
+            <a:pPr marL="285750" indent="-285750">
+              <a:buFont typeface="Wingdings" panose="05000000000000000000" pitchFamily="2" charset="2"/>
+              <a:buChar char="Ø"/>
+            </a:pPr>
+            <a:endParaRPr lang="en-US" dirty="0"/>
+          </a:p>
+          <a:p>
+            <a:pPr marL="285750" indent="-285750">
+              <a:buFont typeface="Wingdings" panose="05000000000000000000" pitchFamily="2" charset="2"/>
+              <a:buChar char="Ø"/>
+            </a:pPr>
+            <a:r>
+              <a:rPr lang="en-US" dirty="0"/>
+              <a:t>Matching demand to capacity, eliminating excess work-in-progress (WIP).</a:t>
+            </a:r>
+          </a:p>
+          <a:p>
+            <a:pPr marL="285750" indent="-285750">
+              <a:buFont typeface="Wingdings" panose="05000000000000000000" pitchFamily="2" charset="2"/>
+              <a:buChar char="Ø"/>
+            </a:pPr>
+            <a:endParaRPr lang="en-US" dirty="0"/>
+          </a:p>
+          <a:p>
+            <a:pPr marL="285750" indent="-285750">
+              <a:buFont typeface="Wingdings" panose="05000000000000000000" pitchFamily="2" charset="2"/>
+              <a:buChar char="Ø"/>
+            </a:pPr>
+            <a:r>
+              <a:rPr lang="en-US" dirty="0"/>
+              <a:t>Providing the opportunity for just the right amount of architecture and Lean User Experience (UX) guidance.</a:t>
+            </a:r>
+          </a:p>
+          <a:p>
+            <a:pPr marL="285750" indent="-285750">
+              <a:buFont typeface="Wingdings" panose="05000000000000000000" pitchFamily="2" charset="2"/>
+              <a:buChar char="Ø"/>
+            </a:pPr>
+            <a:endParaRPr lang="en-US" dirty="0"/>
+          </a:p>
+          <a:p>
+            <a:pPr marL="285750" indent="-285750">
+              <a:buFont typeface="Wingdings" panose="05000000000000000000" pitchFamily="2" charset="2"/>
+              <a:buChar char="Ø"/>
+            </a:pPr>
+            <a:r>
+              <a:rPr lang="en-US" dirty="0"/>
+              <a:t>Aligning development to  business goals with the business context, vision and Team/Program PI objectives.</a:t>
+            </a:r>
+            <a:endParaRPr lang="en-IN" dirty="0"/>
+          </a:p>
+        </p:txBody>
+      </p:sp>
+    </p:spTree>
+    <p:extLst>
+      <p:ext uri="{BB962C8B-B14F-4D97-AF65-F5344CB8AC3E}">
+        <p14:creationId xmlns:p14="http://schemas.microsoft.com/office/powerpoint/2010/main" val="3779758489"/>
+      </p:ext>
+    </p:extLst>
+  </p:cSld>
+  <p:clrMapOvr>
+    <a:masterClrMapping/>
+  </p:clrMapOvr>
+</p:sld>
+</file>
+
+<file path=ppt/slides/slide9.xml><?xml version="1.0" encoding="utf-8"?>
+<p:sld xmlns:a="http://schemas.openxmlformats.org/drawingml/2006/main" xmlns:r="http://schemas.openxmlformats.org/officeDocument/2006/relationships" xmlns:p="http://schemas.openxmlformats.org/presentationml/2006/main">
+  <p:cSld>
+    <p:spTree>
+      <p:nvGrpSpPr>
+        <p:cNvPr id="1" name=""/>
+        <p:cNvGrpSpPr/>
+        <p:nvPr/>
+      </p:nvGrpSpPr>
+      <p:grpSpPr>
+        <a:xfrm>
+          <a:off x="0" y="0"/>
+          <a:ext cx="0" cy="0"/>
+          <a:chOff x="0" y="0"/>
+          <a:chExt cx="0" cy="0"/>
+        </a:xfrm>
+      </p:grpSpPr>
+      <p:sp>
+        <p:nvSpPr>
+          <p:cNvPr id="4" name="TextBox 3">
+            <a:extLst>
+              <a:ext uri="{FF2B5EF4-FFF2-40B4-BE49-F238E27FC236}">
+                <a16:creationId xmlns:a16="http://schemas.microsoft.com/office/drawing/2014/main" id="{D8DB1021-FAA3-4309-8947-1307CD81732F}"/>
+              </a:ext>
+            </a:extLst>
+          </p:cNvPr>
+          <p:cNvSpPr txBox="1"/>
+          <p:nvPr/>
+        </p:nvSpPr>
+        <p:spPr>
+          <a:xfrm>
+            <a:off x="0" y="162999"/>
+            <a:ext cx="12192000" cy="461665"/>
+          </a:xfrm>
+          <a:prstGeom prst="rect">
+            <a:avLst/>
+          </a:prstGeom>
+          <a:solidFill>
+            <a:schemeClr val="bg1">
+              <a:lumMod val="75000"/>
+            </a:schemeClr>
+          </a:solidFill>
+        </p:spPr>
+        <p:txBody>
+          <a:bodyPr wrap="square" rtlCol="0">
+            <a:spAutoFit/>
+          </a:bodyPr>
+          <a:lstStyle/>
+          <a:p>
+            <a:pPr algn="ctr"/>
+            <a:r>
+              <a:rPr lang="en-US" sz="2400" dirty="0"/>
+              <a:t>The PI Planning process</a:t>
+            </a:r>
+            <a:endParaRPr lang="en-IN" sz="2400" dirty="0"/>
+          </a:p>
+        </p:txBody>
+      </p:sp>
+      <p:sp>
+        <p:nvSpPr>
+          <p:cNvPr id="16" name="Rectangle: Rounded Corners 15">
+            <a:extLst>
+              <a:ext uri="{FF2B5EF4-FFF2-40B4-BE49-F238E27FC236}">
+                <a16:creationId xmlns:a16="http://schemas.microsoft.com/office/drawing/2014/main" id="{551E5304-B5CA-4C93-8B23-BD6D7FEFB579}"/>
+              </a:ext>
+            </a:extLst>
+          </p:cNvPr>
+          <p:cNvSpPr/>
+          <p:nvPr/>
+        </p:nvSpPr>
+        <p:spPr>
+          <a:xfrm>
+            <a:off x="1054602" y="1463161"/>
+            <a:ext cx="3251180" cy="4305782"/>
+          </a:xfrm>
+          <a:prstGeom prst="roundRect">
+            <a:avLst/>
+          </a:prstGeom>
+          <a:solidFill>
+            <a:schemeClr val="bg1"/>
+          </a:solidFill>
+        </p:spPr>
+        <p:style>
+          <a:lnRef idx="2">
+            <a:schemeClr val="accent1">
+              <a:shade val="50000"/>
+            </a:schemeClr>
+          </a:lnRef>
+          <a:fillRef idx="1">
+            <a:schemeClr val="accent1"/>
+          </a:fillRef>
+          <a:effectRef idx="0">
+            <a:schemeClr val="accent1"/>
+          </a:effectRef>
+          <a:fontRef idx="minor">
+            <a:schemeClr val="lt1"/>
+          </a:fontRef>
+        </p:style>
+        <p:txBody>
+          <a:bodyPr rtlCol="0" anchor="ctr"/>
+          <a:lstStyle/>
+          <a:p>
+            <a:pPr algn="ctr"/>
+            <a:endParaRPr lang="en-IN"/>
+          </a:p>
+        </p:txBody>
+      </p:sp>
+      <p:pic>
+        <p:nvPicPr>
+          <p:cNvPr id="18" name="Graphic 17" descr="Lightbulb and pencil">
+            <a:extLst>
+              <a:ext uri="{FF2B5EF4-FFF2-40B4-BE49-F238E27FC236}">
+                <a16:creationId xmlns:a16="http://schemas.microsoft.com/office/drawing/2014/main" id="{563D868D-BFC3-4678-8584-8ED7ADAC9726}"/>
+              </a:ext>
+            </a:extLst>
+          </p:cNvPr>
+          <p:cNvPicPr>
+            <a:picLocks noChangeAspect="1"/>
+          </p:cNvPicPr>
+          <p:nvPr/>
+        </p:nvPicPr>
+        <p:blipFill>
+          <a:blip r:embed="rId2">
+            <a:extLst>
+              <a:ext uri="{28A0092B-C50C-407E-A947-70E740481C1C}">
+                <a14:useLocalDpi xmlns:a14="http://schemas.microsoft.com/office/drawing/2010/main" val="0"/>
+              </a:ext>
+              <a:ext uri="{96DAC541-7B7A-43D3-8B79-37D633B846F1}">
+                <asvg:svgBlip xmlns:asvg="http://schemas.microsoft.com/office/drawing/2016/SVG/main" r:embed="rId3"/>
+              </a:ext>
+            </a:extLst>
+          </a:blip>
+          <a:stretch>
+            <a:fillRect/>
+          </a:stretch>
+        </p:blipFill>
+        <p:spPr>
+          <a:xfrm>
+            <a:off x="2078962" y="1770404"/>
+            <a:ext cx="914400" cy="914400"/>
+          </a:xfrm>
+          <a:prstGeom prst="rect">
+            <a:avLst/>
+          </a:prstGeom>
+        </p:spPr>
+      </p:pic>
+      <p:sp>
+        <p:nvSpPr>
+          <p:cNvPr id="19" name="Arrow: Right 18">
+            <a:extLst>
+              <a:ext uri="{FF2B5EF4-FFF2-40B4-BE49-F238E27FC236}">
+                <a16:creationId xmlns:a16="http://schemas.microsoft.com/office/drawing/2014/main" id="{38CDCB59-5EC6-402D-BB63-27CEE422DC24}"/>
+              </a:ext>
+            </a:extLst>
+          </p:cNvPr>
+          <p:cNvSpPr/>
+          <p:nvPr/>
+        </p:nvSpPr>
+        <p:spPr>
+          <a:xfrm>
+            <a:off x="3112004" y="3355751"/>
+            <a:ext cx="914395" cy="406880"/>
+          </a:xfrm>
+          <a:prstGeom prst="rightArrow">
+            <a:avLst/>
+          </a:prstGeom>
+        </p:spPr>
+        <p:style>
+          <a:lnRef idx="2">
+            <a:schemeClr val="accent1">
+              <a:shade val="50000"/>
+            </a:schemeClr>
+          </a:lnRef>
+          <a:fillRef idx="1">
+            <a:schemeClr val="accent1"/>
+          </a:fillRef>
+          <a:effectRef idx="0">
+            <a:schemeClr val="accent1"/>
+          </a:effectRef>
+          <a:fontRef idx="minor">
+            <a:schemeClr val="lt1"/>
+          </a:fontRef>
+        </p:style>
+        <p:txBody>
+          <a:bodyPr rtlCol="0" anchor="ctr"/>
+          <a:lstStyle/>
+          <a:p>
+            <a:pPr algn="ctr"/>
+            <a:endParaRPr lang="en-IN"/>
+          </a:p>
+        </p:txBody>
+      </p:sp>
+      <p:sp>
+        <p:nvSpPr>
+          <p:cNvPr id="20" name="Cube 19">
+            <a:extLst>
+              <a:ext uri="{FF2B5EF4-FFF2-40B4-BE49-F238E27FC236}">
+                <a16:creationId xmlns:a16="http://schemas.microsoft.com/office/drawing/2014/main" id="{C2FE071C-8F0F-41CF-B709-5A9CA2B7718F}"/>
+              </a:ext>
+            </a:extLst>
+          </p:cNvPr>
+          <p:cNvSpPr/>
+          <p:nvPr/>
+        </p:nvSpPr>
+        <p:spPr>
+          <a:xfrm>
+            <a:off x="4861365" y="2731626"/>
+            <a:ext cx="2068010" cy="1863524"/>
+          </a:xfrm>
+          <a:prstGeom prst="cube">
+            <a:avLst/>
+          </a:prstGeom>
+        </p:spPr>
+        <p:style>
+          <a:lnRef idx="2">
+            <a:schemeClr val="accent1">
+              <a:shade val="50000"/>
+            </a:schemeClr>
+          </a:lnRef>
+          <a:fillRef idx="1">
+            <a:schemeClr val="accent1"/>
+          </a:fillRef>
+          <a:effectRef idx="0">
+            <a:schemeClr val="accent1"/>
+          </a:effectRef>
+          <a:fontRef idx="minor">
+            <a:schemeClr val="lt1"/>
+          </a:fontRef>
+        </p:style>
+        <p:txBody>
+          <a:bodyPr rtlCol="0" anchor="ctr"/>
+          <a:lstStyle/>
+          <a:p>
+            <a:pPr algn="ctr"/>
+            <a:r>
+              <a:rPr lang="en-US" dirty="0"/>
+              <a:t>PI Planning</a:t>
+            </a:r>
+            <a:endParaRPr lang="en-IN" dirty="0"/>
+          </a:p>
+        </p:txBody>
+      </p:sp>
+      <p:sp>
+        <p:nvSpPr>
+          <p:cNvPr id="21" name="TextBox 20">
+            <a:extLst>
+              <a:ext uri="{FF2B5EF4-FFF2-40B4-BE49-F238E27FC236}">
+                <a16:creationId xmlns:a16="http://schemas.microsoft.com/office/drawing/2014/main" id="{4256795D-6108-4BD3-B9E7-D355B6370D1F}"/>
+              </a:ext>
+            </a:extLst>
+          </p:cNvPr>
+          <p:cNvSpPr txBox="1"/>
+          <p:nvPr/>
+        </p:nvSpPr>
+        <p:spPr>
+          <a:xfrm>
+            <a:off x="1921401" y="4596705"/>
+            <a:ext cx="911222" cy="369332"/>
+          </a:xfrm>
+          <a:prstGeom prst="rect">
+            <a:avLst/>
+          </a:prstGeom>
+          <a:solidFill>
+            <a:schemeClr val="bg1">
+              <a:lumMod val="65000"/>
+            </a:schemeClr>
+          </a:solidFill>
+        </p:spPr>
+        <p:txBody>
+          <a:bodyPr wrap="square" rtlCol="0">
+            <a:spAutoFit/>
+          </a:bodyPr>
+          <a:lstStyle/>
+          <a:p>
+            <a:pPr algn="ctr"/>
+            <a:r>
+              <a:rPr lang="en-US" dirty="0"/>
+              <a:t>NFRs</a:t>
+            </a:r>
+            <a:endParaRPr lang="en-IN" dirty="0"/>
+          </a:p>
+        </p:txBody>
+      </p:sp>
+      <p:sp>
+        <p:nvSpPr>
+          <p:cNvPr id="22" name="TextBox 21">
+            <a:extLst>
+              <a:ext uri="{FF2B5EF4-FFF2-40B4-BE49-F238E27FC236}">
+                <a16:creationId xmlns:a16="http://schemas.microsoft.com/office/drawing/2014/main" id="{E2E81412-23CF-4CEC-8E91-07AFBC38E8FE}"/>
+              </a:ext>
+            </a:extLst>
+          </p:cNvPr>
+          <p:cNvSpPr txBox="1"/>
+          <p:nvPr/>
+        </p:nvSpPr>
+        <p:spPr>
+          <a:xfrm>
+            <a:off x="1918223" y="5044324"/>
+            <a:ext cx="1165859" cy="646331"/>
+          </a:xfrm>
+          <a:prstGeom prst="rect">
+            <a:avLst/>
+          </a:prstGeom>
+          <a:noFill/>
+        </p:spPr>
+        <p:txBody>
+          <a:bodyPr wrap="square" rtlCol="0">
+            <a:spAutoFit/>
+          </a:bodyPr>
+          <a:lstStyle/>
+          <a:p>
+            <a:r>
+              <a:rPr lang="en-US" dirty="0"/>
+              <a:t>Program Backlog</a:t>
+            </a:r>
+            <a:endParaRPr lang="en-IN" dirty="0"/>
+          </a:p>
+        </p:txBody>
+      </p:sp>
+      <p:sp>
+        <p:nvSpPr>
+          <p:cNvPr id="23" name="TextBox 22">
+            <a:extLst>
+              <a:ext uri="{FF2B5EF4-FFF2-40B4-BE49-F238E27FC236}">
+                <a16:creationId xmlns:a16="http://schemas.microsoft.com/office/drawing/2014/main" id="{D8A102FE-3AB7-41BC-9EAB-AC73962570EB}"/>
+              </a:ext>
+            </a:extLst>
+          </p:cNvPr>
+          <p:cNvSpPr txBox="1"/>
+          <p:nvPr/>
+        </p:nvSpPr>
+        <p:spPr>
+          <a:xfrm>
+            <a:off x="2996534" y="3840920"/>
+            <a:ext cx="1309245" cy="276999"/>
+          </a:xfrm>
+          <a:prstGeom prst="rect">
+            <a:avLst/>
+          </a:prstGeom>
+          <a:noFill/>
+        </p:spPr>
+        <p:txBody>
+          <a:bodyPr wrap="square" rtlCol="0">
+            <a:spAutoFit/>
+          </a:bodyPr>
+          <a:lstStyle/>
+          <a:p>
+            <a:r>
+              <a:rPr lang="en-US" sz="1200" dirty="0"/>
+              <a:t>Top 10 Features</a:t>
+            </a:r>
+            <a:endParaRPr lang="en-IN" sz="1200" dirty="0"/>
+          </a:p>
+        </p:txBody>
+      </p:sp>
+      <p:pic>
+        <p:nvPicPr>
+          <p:cNvPr id="25" name="Graphic 24" descr="Gears">
+            <a:extLst>
+              <a:ext uri="{FF2B5EF4-FFF2-40B4-BE49-F238E27FC236}">
+                <a16:creationId xmlns:a16="http://schemas.microsoft.com/office/drawing/2014/main" id="{BFBF7B79-D1C3-4717-B09D-480A2CA62873}"/>
+              </a:ext>
+            </a:extLst>
+          </p:cNvPr>
+          <p:cNvPicPr>
+            <a:picLocks noChangeAspect="1"/>
+          </p:cNvPicPr>
+          <p:nvPr/>
+        </p:nvPicPr>
+        <p:blipFill>
+          <a:blip r:embed="rId4">
+            <a:extLst>
+              <a:ext uri="{28A0092B-C50C-407E-A947-70E740481C1C}">
+                <a14:useLocalDpi xmlns:a14="http://schemas.microsoft.com/office/drawing/2010/main" val="0"/>
+              </a:ext>
+              <a:ext uri="{96DAC541-7B7A-43D3-8B79-37D633B846F1}">
+                <asvg:svgBlip xmlns:asvg="http://schemas.microsoft.com/office/drawing/2016/SVG/main" r:embed="rId5"/>
+              </a:ext>
+            </a:extLst>
+          </a:blip>
+          <a:stretch>
+            <a:fillRect/>
+          </a:stretch>
+        </p:blipFill>
+        <p:spPr>
+          <a:xfrm>
+            <a:off x="5314710" y="3311300"/>
+            <a:ext cx="495782" cy="495782"/>
+          </a:xfrm>
+          <a:prstGeom prst="rect">
+            <a:avLst/>
+          </a:prstGeom>
+        </p:spPr>
+      </p:pic>
+      <p:sp>
+        <p:nvSpPr>
+          <p:cNvPr id="26" name="Arrow: Right 25">
+            <a:extLst>
+              <a:ext uri="{FF2B5EF4-FFF2-40B4-BE49-F238E27FC236}">
+                <a16:creationId xmlns:a16="http://schemas.microsoft.com/office/drawing/2014/main" id="{8C542E8A-7AAE-4649-8C87-3AFB7ABC6261}"/>
+              </a:ext>
+            </a:extLst>
+          </p:cNvPr>
+          <p:cNvSpPr/>
+          <p:nvPr/>
+        </p:nvSpPr>
+        <p:spPr>
+          <a:xfrm>
+            <a:off x="7130007" y="3257367"/>
+            <a:ext cx="914395" cy="406880"/>
+          </a:xfrm>
+          <a:prstGeom prst="rightArrow">
+            <a:avLst/>
+          </a:prstGeom>
+        </p:spPr>
+        <p:style>
+          <a:lnRef idx="2">
+            <a:schemeClr val="accent1">
+              <a:shade val="50000"/>
+            </a:schemeClr>
+          </a:lnRef>
+          <a:fillRef idx="1">
+            <a:schemeClr val="accent1"/>
+          </a:fillRef>
+          <a:effectRef idx="0">
+            <a:schemeClr val="accent1"/>
+          </a:effectRef>
+          <a:fontRef idx="minor">
+            <a:schemeClr val="lt1"/>
+          </a:fontRef>
+        </p:style>
+        <p:txBody>
+          <a:bodyPr rtlCol="0" anchor="ctr"/>
+          <a:lstStyle/>
+          <a:p>
+            <a:pPr algn="ctr"/>
+            <a:endParaRPr lang="en-IN"/>
+          </a:p>
+        </p:txBody>
+      </p:sp>
+      <p:sp>
+        <p:nvSpPr>
+          <p:cNvPr id="27" name="TextBox 26">
+            <a:extLst>
+              <a:ext uri="{FF2B5EF4-FFF2-40B4-BE49-F238E27FC236}">
+                <a16:creationId xmlns:a16="http://schemas.microsoft.com/office/drawing/2014/main" id="{95D231CA-496A-42C5-81B6-E69CCCB3DA81}"/>
+              </a:ext>
+            </a:extLst>
+          </p:cNvPr>
+          <p:cNvSpPr txBox="1"/>
+          <p:nvPr/>
+        </p:nvSpPr>
+        <p:spPr>
+          <a:xfrm>
+            <a:off x="1918223" y="1041722"/>
+            <a:ext cx="1322688" cy="369332"/>
+          </a:xfrm>
+          <a:prstGeom prst="rect">
+            <a:avLst/>
+          </a:prstGeom>
+          <a:noFill/>
+        </p:spPr>
+        <p:txBody>
+          <a:bodyPr wrap="square" rtlCol="0">
+            <a:spAutoFit/>
+          </a:bodyPr>
+          <a:lstStyle/>
+          <a:p>
+            <a:pPr algn="ctr"/>
+            <a:r>
+              <a:rPr lang="en-US" dirty="0"/>
+              <a:t>INPUT</a:t>
+            </a:r>
+            <a:endParaRPr lang="en-IN" dirty="0"/>
+          </a:p>
+        </p:txBody>
+      </p:sp>
+      <p:sp>
+        <p:nvSpPr>
+          <p:cNvPr id="28" name="Rectangle: Rounded Corners 27">
+            <a:extLst>
+              <a:ext uri="{FF2B5EF4-FFF2-40B4-BE49-F238E27FC236}">
+                <a16:creationId xmlns:a16="http://schemas.microsoft.com/office/drawing/2014/main" id="{B28F6B81-A1FD-4ADD-8A63-D7D216F9890E}"/>
+              </a:ext>
+            </a:extLst>
+          </p:cNvPr>
+          <p:cNvSpPr/>
+          <p:nvPr/>
+        </p:nvSpPr>
+        <p:spPr>
+          <a:xfrm>
+            <a:off x="8255985" y="1419074"/>
+            <a:ext cx="3251180" cy="4305782"/>
+          </a:xfrm>
+          <a:prstGeom prst="roundRect">
+            <a:avLst/>
+          </a:prstGeom>
+          <a:solidFill>
+            <a:schemeClr val="bg1"/>
+          </a:solidFill>
+        </p:spPr>
+        <p:style>
+          <a:lnRef idx="2">
+            <a:schemeClr val="accent1">
+              <a:shade val="50000"/>
+            </a:schemeClr>
+          </a:lnRef>
+          <a:fillRef idx="1">
+            <a:schemeClr val="accent1"/>
+          </a:fillRef>
+          <a:effectRef idx="0">
+            <a:schemeClr val="accent1"/>
+          </a:effectRef>
+          <a:fontRef idx="minor">
+            <a:schemeClr val="lt1"/>
+          </a:fontRef>
+        </p:style>
+        <p:txBody>
+          <a:bodyPr rtlCol="0" anchor="ctr"/>
+          <a:lstStyle/>
+          <a:p>
+            <a:pPr algn="ctr"/>
+            <a:endParaRPr lang="en-IN"/>
+          </a:p>
+        </p:txBody>
+      </p:sp>
+      <p:sp>
+        <p:nvSpPr>
+          <p:cNvPr id="29" name="TextBox 28">
+            <a:extLst>
+              <a:ext uri="{FF2B5EF4-FFF2-40B4-BE49-F238E27FC236}">
+                <a16:creationId xmlns:a16="http://schemas.microsoft.com/office/drawing/2014/main" id="{11931EB4-688A-41B8-91BD-4E2FC1771B9D}"/>
+              </a:ext>
+            </a:extLst>
+          </p:cNvPr>
+          <p:cNvSpPr txBox="1"/>
+          <p:nvPr/>
+        </p:nvSpPr>
+        <p:spPr>
+          <a:xfrm>
+            <a:off x="9220231" y="948478"/>
+            <a:ext cx="1322688" cy="369332"/>
+          </a:xfrm>
+          <a:prstGeom prst="rect">
+            <a:avLst/>
+          </a:prstGeom>
+          <a:noFill/>
+        </p:spPr>
+        <p:txBody>
+          <a:bodyPr wrap="square" rtlCol="0">
+            <a:spAutoFit/>
+          </a:bodyPr>
+          <a:lstStyle/>
+          <a:p>
+            <a:pPr algn="ctr"/>
+            <a:r>
+              <a:rPr lang="en-US" dirty="0"/>
+              <a:t>OUTPUT</a:t>
+            </a:r>
+            <a:endParaRPr lang="en-IN" dirty="0"/>
+          </a:p>
+        </p:txBody>
+      </p:sp>
+      <p:pic>
+        <p:nvPicPr>
+          <p:cNvPr id="30" name="Picture 29">
+            <a:extLst>
+              <a:ext uri="{FF2B5EF4-FFF2-40B4-BE49-F238E27FC236}">
+                <a16:creationId xmlns:a16="http://schemas.microsoft.com/office/drawing/2014/main" id="{33BE4C84-FADB-454D-B9A6-C72348AB4108}"/>
+              </a:ext>
+            </a:extLst>
+          </p:cNvPr>
+          <p:cNvPicPr>
+            <a:picLocks noChangeAspect="1"/>
+          </p:cNvPicPr>
+          <p:nvPr/>
+        </p:nvPicPr>
+        <p:blipFill rotWithShape="1">
+          <a:blip r:embed="rId6">
+            <a:extLst>
+              <a:ext uri="{BEBA8EAE-BF5A-486C-A8C5-ECC9F3942E4B}">
+                <a14:imgProps xmlns:a14="http://schemas.microsoft.com/office/drawing/2010/main">
+                  <a14:imgLayer r:embed="rId7">
+                    <a14:imgEffect>
+                      <a14:brightnessContrast bright="5000" contrast="-13000"/>
+                    </a14:imgEffect>
+                  </a14:imgLayer>
+                </a14:imgProps>
+              </a:ext>
+            </a:extLst>
+          </a:blip>
+          <a:srcRect l="7840" t="11796" r="7136" b="20290"/>
+          <a:stretch/>
+        </p:blipFill>
+        <p:spPr>
+          <a:xfrm>
+            <a:off x="8425755" y="3980665"/>
+            <a:ext cx="2979193" cy="1351670"/>
+          </a:xfrm>
+          <a:prstGeom prst="rect">
+            <a:avLst/>
+          </a:prstGeom>
+        </p:spPr>
+      </p:pic>
+      <p:pic>
+        <p:nvPicPr>
+          <p:cNvPr id="4098" name="Picture 2" descr="PI Planning - Scaled Agile Framework">
+            <a:extLst>
+              <a:ext uri="{FF2B5EF4-FFF2-40B4-BE49-F238E27FC236}">
+                <a16:creationId xmlns:a16="http://schemas.microsoft.com/office/drawing/2014/main" id="{2283788E-972F-4557-AD64-600D992C8DCB}"/>
+              </a:ext>
+            </a:extLst>
+          </p:cNvPr>
+          <p:cNvPicPr>
+            <a:picLocks noChangeAspect="1" noChangeArrowheads="1"/>
+          </p:cNvPicPr>
+          <p:nvPr/>
+        </p:nvPicPr>
+        <p:blipFill rotWithShape="1">
+          <a:blip r:embed="rId8">
+            <a:extLst>
+              <a:ext uri="{28A0092B-C50C-407E-A947-70E740481C1C}">
+                <a14:useLocalDpi xmlns:a14="http://schemas.microsoft.com/office/drawing/2010/main" val="0"/>
+              </a:ext>
+            </a:extLst>
+          </a:blip>
+          <a:srcRect b="5057"/>
+          <a:stretch/>
+        </p:blipFill>
+        <p:spPr bwMode="auto">
+          <a:xfrm>
+            <a:off x="8358201" y="1709768"/>
+            <a:ext cx="3046747" cy="2152322"/>
+          </a:xfrm>
+          <a:prstGeom prst="rect">
+            <a:avLst/>
+          </a:prstGeom>
+          <a:noFill/>
+          <a:extLst>
+            <a:ext uri="{909E8E84-426E-40DD-AFC4-6F175D3DCCD1}">
+              <a14:hiddenFill xmlns:a14="http://schemas.microsoft.com/office/drawing/2010/main">
+                <a:solidFill>
+                  <a:srgbClr val="FFFFFF"/>
+                </a:solidFill>
+              </a14:hiddenFill>
+            </a:ext>
+          </a:extLst>
+        </p:spPr>
+      </p:pic>
+      <p:grpSp>
+        <p:nvGrpSpPr>
+          <p:cNvPr id="15" name="Group 14">
+            <a:extLst>
+              <a:ext uri="{FF2B5EF4-FFF2-40B4-BE49-F238E27FC236}">
+                <a16:creationId xmlns:a16="http://schemas.microsoft.com/office/drawing/2014/main" id="{DF6E83A1-B85C-44EA-B617-C0DBCDB5308C}"/>
+              </a:ext>
+            </a:extLst>
+          </p:cNvPr>
+          <p:cNvGrpSpPr/>
+          <p:nvPr/>
+        </p:nvGrpSpPr>
+        <p:grpSpPr>
+          <a:xfrm>
+            <a:off x="1918223" y="2731626"/>
+            <a:ext cx="914400" cy="1818270"/>
+            <a:chOff x="666313" y="3848925"/>
+            <a:chExt cx="370929" cy="1233379"/>
+          </a:xfrm>
+        </p:grpSpPr>
+        <p:cxnSp>
+          <p:nvCxnSpPr>
+            <p:cNvPr id="5" name="Straight Connector 4">
+              <a:extLst>
+                <a:ext uri="{FF2B5EF4-FFF2-40B4-BE49-F238E27FC236}">
+                  <a16:creationId xmlns:a16="http://schemas.microsoft.com/office/drawing/2014/main" id="{C26A6F88-448C-47A6-B173-DE2642619ABD}"/>
+                </a:ext>
+              </a:extLst>
+            </p:cNvPr>
+            <p:cNvCxnSpPr>
+              <a:cxnSpLocks/>
+            </p:cNvCxnSpPr>
+            <p:nvPr/>
+          </p:nvCxnSpPr>
+          <p:spPr>
+            <a:xfrm>
+              <a:off x="666313" y="3848925"/>
+              <a:ext cx="0" cy="1233377"/>
+            </a:xfrm>
+            <a:prstGeom prst="line">
+              <a:avLst/>
+            </a:prstGeom>
+            <a:ln w="28575">
+              <a:solidFill>
+                <a:schemeClr val="tx1">
+                  <a:lumMod val="75000"/>
+                  <a:lumOff val="25000"/>
+                </a:schemeClr>
+              </a:solidFill>
+            </a:ln>
+          </p:spPr>
+          <p:style>
+            <a:lnRef idx="1">
+              <a:schemeClr val="accent1"/>
+            </a:lnRef>
+            <a:fillRef idx="0">
+              <a:schemeClr val="accent1"/>
+            </a:fillRef>
+            <a:effectRef idx="0">
+              <a:schemeClr val="accent1"/>
+            </a:effectRef>
+            <a:fontRef idx="minor">
+              <a:schemeClr val="tx1"/>
+            </a:fontRef>
+          </p:style>
+        </p:cxnSp>
+        <p:sp>
+          <p:nvSpPr>
+            <p:cNvPr id="6" name="Rectangle 5">
+              <a:extLst>
+                <a:ext uri="{FF2B5EF4-FFF2-40B4-BE49-F238E27FC236}">
+                  <a16:creationId xmlns:a16="http://schemas.microsoft.com/office/drawing/2014/main" id="{28281B2D-DEF1-43BC-95AF-7FDCC16A11EC}"/>
+                </a:ext>
+              </a:extLst>
+            </p:cNvPr>
+            <p:cNvSpPr/>
+            <p:nvPr/>
+          </p:nvSpPr>
+          <p:spPr>
+            <a:xfrm>
+              <a:off x="666313" y="4030177"/>
+              <a:ext cx="370929" cy="140335"/>
+            </a:xfrm>
+            <a:prstGeom prst="rect">
+              <a:avLst/>
+            </a:prstGeom>
+          </p:spPr>
+          <p:style>
+            <a:lnRef idx="2">
+              <a:schemeClr val="accent1">
+                <a:shade val="50000"/>
+              </a:schemeClr>
+            </a:lnRef>
+            <a:fillRef idx="1">
+              <a:schemeClr val="accent1"/>
+            </a:fillRef>
+            <a:effectRef idx="0">
+              <a:schemeClr val="accent1"/>
+            </a:effectRef>
+            <a:fontRef idx="minor">
+              <a:schemeClr val="lt1"/>
+            </a:fontRef>
+          </p:style>
+          <p:txBody>
+            <a:bodyPr rtlCol="0" anchor="ctr"/>
+            <a:lstStyle/>
+            <a:p>
+              <a:pPr algn="ctr"/>
+              <a:endParaRPr lang="en-IN"/>
+            </a:p>
+          </p:txBody>
+        </p:sp>
+        <p:sp>
+          <p:nvSpPr>
+            <p:cNvPr id="7" name="Rectangle 6">
+              <a:extLst>
+                <a:ext uri="{FF2B5EF4-FFF2-40B4-BE49-F238E27FC236}">
+                  <a16:creationId xmlns:a16="http://schemas.microsoft.com/office/drawing/2014/main" id="{69F57ACC-3EDA-4317-A8D8-612AC043D27C}"/>
+                </a:ext>
+              </a:extLst>
+            </p:cNvPr>
+            <p:cNvSpPr/>
+            <p:nvPr/>
+          </p:nvSpPr>
+          <p:spPr>
+            <a:xfrm>
+              <a:off x="666313" y="4310855"/>
+              <a:ext cx="370929" cy="140329"/>
+            </a:xfrm>
+            <a:prstGeom prst="rect">
+              <a:avLst/>
+            </a:prstGeom>
+          </p:spPr>
+          <p:style>
+            <a:lnRef idx="2">
+              <a:schemeClr val="accent1">
+                <a:shade val="50000"/>
+              </a:schemeClr>
+            </a:lnRef>
+            <a:fillRef idx="1">
+              <a:schemeClr val="accent1"/>
+            </a:fillRef>
+            <a:effectRef idx="0">
+              <a:schemeClr val="accent1"/>
+            </a:effectRef>
+            <a:fontRef idx="minor">
+              <a:schemeClr val="lt1"/>
+            </a:fontRef>
+          </p:style>
+          <p:txBody>
+            <a:bodyPr rtlCol="0" anchor="ctr"/>
+            <a:lstStyle/>
+            <a:p>
+              <a:pPr algn="ctr"/>
+              <a:endParaRPr lang="en-IN"/>
+            </a:p>
+          </p:txBody>
+        </p:sp>
+        <p:sp>
+          <p:nvSpPr>
+            <p:cNvPr id="8" name="Rectangle 7">
+              <a:extLst>
+                <a:ext uri="{FF2B5EF4-FFF2-40B4-BE49-F238E27FC236}">
+                  <a16:creationId xmlns:a16="http://schemas.microsoft.com/office/drawing/2014/main" id="{83BD6435-2CCE-4F24-92CE-6FD914B6CB27}"/>
+                </a:ext>
+              </a:extLst>
+            </p:cNvPr>
+            <p:cNvSpPr/>
+            <p:nvPr/>
+          </p:nvSpPr>
+          <p:spPr>
+            <a:xfrm>
+              <a:off x="666313" y="4896293"/>
+              <a:ext cx="370929" cy="152367"/>
+            </a:xfrm>
+            <a:prstGeom prst="rect">
+              <a:avLst/>
+            </a:prstGeom>
+          </p:spPr>
+          <p:style>
+            <a:lnRef idx="2">
+              <a:schemeClr val="accent1">
+                <a:shade val="50000"/>
+              </a:schemeClr>
+            </a:lnRef>
+            <a:fillRef idx="1">
+              <a:schemeClr val="accent1"/>
+            </a:fillRef>
+            <a:effectRef idx="0">
+              <a:schemeClr val="accent1"/>
+            </a:effectRef>
+            <a:fontRef idx="minor">
+              <a:schemeClr val="lt1"/>
+            </a:fontRef>
+          </p:style>
+          <p:txBody>
+            <a:bodyPr rtlCol="0" anchor="ctr"/>
+            <a:lstStyle/>
+            <a:p>
+              <a:pPr algn="ctr"/>
+              <a:endParaRPr lang="en-IN"/>
+            </a:p>
+          </p:txBody>
+        </p:sp>
+        <p:cxnSp>
+          <p:nvCxnSpPr>
+            <p:cNvPr id="9" name="Straight Connector 8">
+              <a:extLst>
+                <a:ext uri="{FF2B5EF4-FFF2-40B4-BE49-F238E27FC236}">
+                  <a16:creationId xmlns:a16="http://schemas.microsoft.com/office/drawing/2014/main" id="{7C5F3087-2A38-4E25-8E54-2FBA72E3DA55}"/>
+                </a:ext>
+              </a:extLst>
+            </p:cNvPr>
+            <p:cNvCxnSpPr>
+              <a:cxnSpLocks/>
+            </p:cNvCxnSpPr>
+            <p:nvPr/>
+          </p:nvCxnSpPr>
+          <p:spPr>
+            <a:xfrm>
+              <a:off x="1037242" y="3848925"/>
+              <a:ext cx="0" cy="1233377"/>
+            </a:xfrm>
+            <a:prstGeom prst="line">
+              <a:avLst/>
+            </a:prstGeom>
+            <a:ln w="28575">
+              <a:solidFill>
+                <a:schemeClr val="tx1">
+                  <a:lumMod val="75000"/>
+                  <a:lumOff val="25000"/>
+                </a:schemeClr>
+              </a:solidFill>
+            </a:ln>
+          </p:spPr>
+          <p:style>
+            <a:lnRef idx="1">
+              <a:schemeClr val="accent1"/>
+            </a:lnRef>
+            <a:fillRef idx="0">
+              <a:schemeClr val="accent1"/>
+            </a:fillRef>
+            <a:effectRef idx="0">
+              <a:schemeClr val="accent1"/>
+            </a:effectRef>
+            <a:fontRef idx="minor">
+              <a:schemeClr val="tx1"/>
+            </a:fontRef>
+          </p:style>
+        </p:cxnSp>
+        <p:cxnSp>
+          <p:nvCxnSpPr>
+            <p:cNvPr id="10" name="Straight Connector 9">
+              <a:extLst>
+                <a:ext uri="{FF2B5EF4-FFF2-40B4-BE49-F238E27FC236}">
+                  <a16:creationId xmlns:a16="http://schemas.microsoft.com/office/drawing/2014/main" id="{42E124E9-A323-415F-B6B4-B7EE9F10E5AE}"/>
+                </a:ext>
+              </a:extLst>
+            </p:cNvPr>
+            <p:cNvCxnSpPr>
+              <a:cxnSpLocks/>
+            </p:cNvCxnSpPr>
+            <p:nvPr/>
+          </p:nvCxnSpPr>
+          <p:spPr>
+            <a:xfrm>
+              <a:off x="666313" y="5082302"/>
+              <a:ext cx="370929" cy="2"/>
+            </a:xfrm>
+            <a:prstGeom prst="line">
+              <a:avLst/>
+            </a:prstGeom>
+            <a:ln w="28575">
+              <a:solidFill>
+                <a:schemeClr val="tx1">
+                  <a:lumMod val="75000"/>
+                  <a:lumOff val="25000"/>
+                </a:schemeClr>
+              </a:solidFill>
+            </a:ln>
+          </p:spPr>
+          <p:style>
+            <a:lnRef idx="1">
+              <a:schemeClr val="accent1"/>
+            </a:lnRef>
+            <a:fillRef idx="0">
+              <a:schemeClr val="accent1"/>
+            </a:fillRef>
+            <a:effectRef idx="0">
+              <a:schemeClr val="accent1"/>
+            </a:effectRef>
+            <a:fontRef idx="minor">
+              <a:schemeClr val="tx1"/>
+            </a:fontRef>
+          </p:style>
+        </p:cxnSp>
+        <p:sp>
+          <p:nvSpPr>
+            <p:cNvPr id="14" name="Rectangle 13">
+              <a:extLst>
+                <a:ext uri="{FF2B5EF4-FFF2-40B4-BE49-F238E27FC236}">
+                  <a16:creationId xmlns:a16="http://schemas.microsoft.com/office/drawing/2014/main" id="{44DE5205-38B5-47CF-8E93-84A368DA599B}"/>
+                </a:ext>
+              </a:extLst>
+            </p:cNvPr>
+            <p:cNvSpPr/>
+            <p:nvPr/>
+          </p:nvSpPr>
+          <p:spPr>
+            <a:xfrm>
+              <a:off x="666313" y="4603574"/>
+              <a:ext cx="360899" cy="140328"/>
+            </a:xfrm>
+            <a:prstGeom prst="rect">
+              <a:avLst/>
+            </a:prstGeom>
+            <a:solidFill>
+              <a:srgbClr val="C00000"/>
+            </a:solidFill>
+          </p:spPr>
+          <p:style>
+            <a:lnRef idx="2">
+              <a:schemeClr val="accent1">
+                <a:shade val="50000"/>
+              </a:schemeClr>
+            </a:lnRef>
+            <a:fillRef idx="1">
+              <a:schemeClr val="accent1"/>
+            </a:fillRef>
+            <a:effectRef idx="0">
+              <a:schemeClr val="accent1"/>
+            </a:effectRef>
+            <a:fontRef idx="minor">
+              <a:schemeClr val="lt1"/>
+            </a:fontRef>
+          </p:style>
+          <p:txBody>
+            <a:bodyPr rtlCol="0" anchor="ctr"/>
+            <a:lstStyle/>
+            <a:p>
+              <a:pPr algn="ctr"/>
+              <a:endParaRPr lang="en-IN"/>
+            </a:p>
+          </p:txBody>
+        </p:sp>
+      </p:grpSp>
+      <p:sp>
+        <p:nvSpPr>
+          <p:cNvPr id="31" name="TextBox 30">
+            <a:extLst>
+              <a:ext uri="{FF2B5EF4-FFF2-40B4-BE49-F238E27FC236}">
+                <a16:creationId xmlns:a16="http://schemas.microsoft.com/office/drawing/2014/main" id="{029F75EB-5F3B-4102-911A-1AF9CD65DF47}"/>
+              </a:ext>
+            </a:extLst>
+          </p:cNvPr>
+          <p:cNvSpPr txBox="1"/>
+          <p:nvPr/>
+        </p:nvSpPr>
+        <p:spPr>
+          <a:xfrm>
+            <a:off x="1450244" y="5847230"/>
+            <a:ext cx="2764758" cy="369332"/>
+          </a:xfrm>
+          <a:prstGeom prst="rect">
+            <a:avLst/>
+          </a:prstGeom>
+          <a:noFill/>
+        </p:spPr>
+        <p:txBody>
+          <a:bodyPr wrap="square" rtlCol="0">
+            <a:spAutoFit/>
+          </a:bodyPr>
+          <a:lstStyle/>
+          <a:p>
+            <a:r>
+              <a:rPr lang="en-US" dirty="0"/>
+              <a:t>Vision and Top 10 Features</a:t>
+            </a:r>
+            <a:endParaRPr lang="en-IN" dirty="0"/>
+          </a:p>
+        </p:txBody>
+      </p:sp>
+      <p:sp>
+        <p:nvSpPr>
+          <p:cNvPr id="33" name="TextBox 32">
+            <a:extLst>
+              <a:ext uri="{FF2B5EF4-FFF2-40B4-BE49-F238E27FC236}">
+                <a16:creationId xmlns:a16="http://schemas.microsoft.com/office/drawing/2014/main" id="{FC91FA4C-CFC0-4520-97F5-EE8D5DF5C929}"/>
+              </a:ext>
+            </a:extLst>
+          </p:cNvPr>
+          <p:cNvSpPr txBox="1"/>
+          <p:nvPr/>
+        </p:nvSpPr>
+        <p:spPr>
+          <a:xfrm>
+            <a:off x="8289761" y="5851800"/>
+            <a:ext cx="3251179" cy="646331"/>
+          </a:xfrm>
+          <a:prstGeom prst="rect">
+            <a:avLst/>
+          </a:prstGeom>
+          <a:noFill/>
+        </p:spPr>
+        <p:txBody>
+          <a:bodyPr wrap="square" rtlCol="0">
+            <a:spAutoFit/>
+          </a:bodyPr>
+          <a:lstStyle/>
+          <a:p>
+            <a:pPr algn="ctr"/>
+            <a:r>
+              <a:rPr lang="en-US" dirty="0"/>
+              <a:t>Team and Program PI Objectives and Program Board</a:t>
+            </a:r>
+            <a:endParaRPr lang="en-IN" dirty="0"/>
+          </a:p>
+        </p:txBody>
+      </p:sp>
+    </p:spTree>
+    <p:extLst>
+      <p:ext uri="{BB962C8B-B14F-4D97-AF65-F5344CB8AC3E}">
+        <p14:creationId xmlns:p14="http://schemas.microsoft.com/office/powerpoint/2010/main" val="2357830378"/>
+      </p:ext>
+    </p:extLst>
+  </p:cSld>
+  <p:clrMapOvr>
+    <a:masterClrMapping/>
+  </p:clrMapOvr>
+</p:sld>
+</file>
+
 <file path=ppt/theme/theme1.xml><?xml version="1.0" encoding="utf-8"?>
 <a:theme xmlns:a="http://schemas.openxmlformats.org/drawingml/2006/main" name="Office Theme">
   <a:themeElements>
